--- a/Cópia de presentation_template_WIA.pptx
+++ b/Cópia de presentation_template_WIA.pptx
@@ -18,8 +18,6 @@
     <p:sldId id="263" r:id="rId13"/>
     <p:sldId id="264" r:id="rId14"/>
     <p:sldId id="265" r:id="rId15"/>
-    <p:sldId id="266" r:id="rId16"/>
-    <p:sldId id="267" r:id="rId17"/>
   </p:sldIdLst>
   <p:sldSz cy="5143500" cx="9144000"/>
   <p:notesSz cx="6858000" cy="9144000"/>
@@ -801,7 +799,7 @@
   <p:cSld>
     <p:spTree>
       <p:nvGrpSpPr>
-        <p:cNvPr id="82" name="Shape 82"/>
+        <p:cNvPr id="86" name="Shape 86"/>
         <p:cNvGrpSpPr/>
         <p:nvPr/>
       </p:nvGrpSpPr>
@@ -815,7 +813,7 @@
       </p:grpSpPr>
       <p:sp>
         <p:nvSpPr>
-          <p:cNvPr id="83" name="Google Shape;83;g1e464f37ce6_0_65:notes"/>
+          <p:cNvPr id="87" name="Google Shape;87;g1e464f37ce6_0_65:notes"/>
           <p:cNvSpPr/>
           <p:nvPr>
             <p:ph idx="2" type="sldImg"/>
@@ -850,205 +848,7 @@
       </p:sp>
       <p:sp>
         <p:nvSpPr>
-          <p:cNvPr id="84" name="Google Shape;84;g1e464f37ce6_0_65:notes"/>
-          <p:cNvSpPr txBox="1"/>
-          <p:nvPr>
-            <p:ph idx="1" type="body"/>
-          </p:nvPr>
-        </p:nvSpPr>
-        <p:spPr>
-          <a:xfrm>
-            <a:off x="685800" y="4343400"/>
-            <a:ext cx="5486400" cy="4114800"/>
-          </a:xfrm>
-          <a:prstGeom prst="rect">
-            <a:avLst/>
-          </a:prstGeom>
-        </p:spPr>
-        <p:txBody>
-          <a:bodyPr anchorCtr="0" anchor="t" bIns="91425" lIns="91425" spcFirstLastPara="1" rIns="91425" wrap="square" tIns="91425">
-            <a:noAutofit/>
-          </a:bodyPr>
-          <a:lstStyle/>
-          <a:p>
-            <a:pPr indent="0" lvl="0" marL="0" rtl="0" algn="l">
-              <a:spcBef>
-                <a:spcPts val="0"/>
-              </a:spcBef>
-              <a:spcAft>
-                <a:spcPts val="0"/>
-              </a:spcAft>
-              <a:buNone/>
-            </a:pPr>
-            <a:r>
-              <a:t/>
-            </a:r>
-            <a:endParaRPr/>
-          </a:p>
-        </p:txBody>
-      </p:sp>
-    </p:spTree>
-  </p:cSld>
-  <p:clrMapOvr>
-    <a:masterClrMapping/>
-  </p:clrMapOvr>
-</p:notes>
-</file>
-
-<file path=ppt/notesSlides/notesSlide11.xml><?xml version="1.0" encoding="utf-8"?>
-<p:notes xmlns:a="http://schemas.openxmlformats.org/drawingml/2006/main" xmlns:r="http://schemas.openxmlformats.org/officeDocument/2006/relationships" xmlns:mc="http://schemas.openxmlformats.org/markup-compatibility/2006" xmlns:mv="urn:schemas-microsoft-com:mac:vml" xmlns:p="http://schemas.openxmlformats.org/presentationml/2006/main" xmlns:c="http://schemas.openxmlformats.org/drawingml/2006/chart" xmlns:dgm="http://schemas.openxmlformats.org/drawingml/2006/diagram" xmlns:o="urn:schemas-microsoft-com:office:office" xmlns:v="urn:schemas-microsoft-com:vml" xmlns:pvml="urn:schemas-microsoft-com:office:powerpoint" xmlns:com="http://schemas.openxmlformats.org/drawingml/2006/compatibility" xmlns:p14="http://schemas.microsoft.com/office/powerpoint/2010/main" xmlns:p15="http://schemas.microsoft.com/office/powerpoint/2012/main" xmlns:ahyp="http://schemas.microsoft.com/office/drawing/2018/hyperlinkcolor" showMasterPhAnim="0" showMasterSp="0">
-  <p:cSld>
-    <p:spTree>
-      <p:nvGrpSpPr>
-        <p:cNvPr id="89" name="Shape 89"/>
-        <p:cNvGrpSpPr/>
-        <p:nvPr/>
-      </p:nvGrpSpPr>
-      <p:grpSpPr>
-        <a:xfrm>
-          <a:off x="0" y="0"/>
-          <a:ext cx="0" cy="0"/>
-          <a:chOff x="0" y="0"/>
-          <a:chExt cx="0" cy="0"/>
-        </a:xfrm>
-      </p:grpSpPr>
-      <p:sp>
-        <p:nvSpPr>
-          <p:cNvPr id="90" name="Google Shape;90;g1e464f37ce6_0_69:notes"/>
-          <p:cNvSpPr/>
-          <p:nvPr>
-            <p:ph idx="2" type="sldImg"/>
-          </p:nvPr>
-        </p:nvSpPr>
-        <p:spPr>
-          <a:xfrm>
-            <a:off x="381300" y="685800"/>
-            <a:ext cx="6096000" cy="3429000"/>
-          </a:xfrm>
-          <a:custGeom>
-            <a:rect b="b" l="l" r="r" t="t"/>
-            <a:pathLst>
-              <a:path extrusionOk="0" h="120000" w="120000">
-                <a:moveTo>
-                  <a:pt x="0" y="0"/>
-                </a:moveTo>
-                <a:lnTo>
-                  <a:pt x="120000" y="0"/>
-                </a:lnTo>
-                <a:lnTo>
-                  <a:pt x="120000" y="120000"/>
-                </a:lnTo>
-                <a:lnTo>
-                  <a:pt x="0" y="120000"/>
-                </a:lnTo>
-                <a:close/>
-              </a:path>
-            </a:pathLst>
-          </a:custGeom>
-        </p:spPr>
-      </p:sp>
-      <p:sp>
-        <p:nvSpPr>
-          <p:cNvPr id="91" name="Google Shape;91;g1e464f37ce6_0_69:notes"/>
-          <p:cNvSpPr txBox="1"/>
-          <p:nvPr>
-            <p:ph idx="1" type="body"/>
-          </p:nvPr>
-        </p:nvSpPr>
-        <p:spPr>
-          <a:xfrm>
-            <a:off x="685800" y="4343400"/>
-            <a:ext cx="5486400" cy="4114800"/>
-          </a:xfrm>
-          <a:prstGeom prst="rect">
-            <a:avLst/>
-          </a:prstGeom>
-        </p:spPr>
-        <p:txBody>
-          <a:bodyPr anchorCtr="0" anchor="t" bIns="91425" lIns="91425" spcFirstLastPara="1" rIns="91425" wrap="square" tIns="91425">
-            <a:noAutofit/>
-          </a:bodyPr>
-          <a:lstStyle/>
-          <a:p>
-            <a:pPr indent="0" lvl="0" marL="0" rtl="0" algn="l">
-              <a:spcBef>
-                <a:spcPts val="0"/>
-              </a:spcBef>
-              <a:spcAft>
-                <a:spcPts val="0"/>
-              </a:spcAft>
-              <a:buNone/>
-            </a:pPr>
-            <a:r>
-              <a:t/>
-            </a:r>
-            <a:endParaRPr/>
-          </a:p>
-        </p:txBody>
-      </p:sp>
-    </p:spTree>
-  </p:cSld>
-  <p:clrMapOvr>
-    <a:masterClrMapping/>
-  </p:clrMapOvr>
-</p:notes>
-</file>
-
-<file path=ppt/notesSlides/notesSlide12.xml><?xml version="1.0" encoding="utf-8"?>
-<p:notes xmlns:a="http://schemas.openxmlformats.org/drawingml/2006/main" xmlns:r="http://schemas.openxmlformats.org/officeDocument/2006/relationships" xmlns:mc="http://schemas.openxmlformats.org/markup-compatibility/2006" xmlns:mv="urn:schemas-microsoft-com:mac:vml" xmlns:p="http://schemas.openxmlformats.org/presentationml/2006/main" xmlns:c="http://schemas.openxmlformats.org/drawingml/2006/chart" xmlns:dgm="http://schemas.openxmlformats.org/drawingml/2006/diagram" xmlns:o="urn:schemas-microsoft-com:office:office" xmlns:v="urn:schemas-microsoft-com:vml" xmlns:pvml="urn:schemas-microsoft-com:office:powerpoint" xmlns:com="http://schemas.openxmlformats.org/drawingml/2006/compatibility" xmlns:p14="http://schemas.microsoft.com/office/powerpoint/2010/main" xmlns:p15="http://schemas.microsoft.com/office/powerpoint/2012/main" xmlns:ahyp="http://schemas.microsoft.com/office/drawing/2018/hyperlinkcolor" showMasterPhAnim="0" showMasterSp="0">
-  <p:cSld>
-    <p:spTree>
-      <p:nvGrpSpPr>
-        <p:cNvPr id="96" name="Shape 96"/>
-        <p:cNvGrpSpPr/>
-        <p:nvPr/>
-      </p:nvGrpSpPr>
-      <p:grpSpPr>
-        <a:xfrm>
-          <a:off x="0" y="0"/>
-          <a:ext cx="0" cy="0"/>
-          <a:chOff x="0" y="0"/>
-          <a:chExt cx="0" cy="0"/>
-        </a:xfrm>
-      </p:grpSpPr>
-      <p:sp>
-        <p:nvSpPr>
-          <p:cNvPr id="97" name="Google Shape;97;g1e464f37ce6_0_84:notes"/>
-          <p:cNvSpPr/>
-          <p:nvPr>
-            <p:ph idx="2" type="sldImg"/>
-          </p:nvPr>
-        </p:nvSpPr>
-        <p:spPr>
-          <a:xfrm>
-            <a:off x="381300" y="685800"/>
-            <a:ext cx="6096000" cy="3429000"/>
-          </a:xfrm>
-          <a:custGeom>
-            <a:rect b="b" l="l" r="r" t="t"/>
-            <a:pathLst>
-              <a:path extrusionOk="0" h="120000" w="120000">
-                <a:moveTo>
-                  <a:pt x="0" y="0"/>
-                </a:moveTo>
-                <a:lnTo>
-                  <a:pt x="120000" y="0"/>
-                </a:lnTo>
-                <a:lnTo>
-                  <a:pt x="120000" y="120000"/>
-                </a:lnTo>
-                <a:lnTo>
-                  <a:pt x="0" y="120000"/>
-                </a:lnTo>
-                <a:close/>
-              </a:path>
-            </a:pathLst>
-          </a:custGeom>
-        </p:spPr>
-      </p:sp>
-      <p:sp>
-        <p:nvSpPr>
-          <p:cNvPr id="98" name="Google Shape;98;g1e464f37ce6_0_84:notes"/>
+          <p:cNvPr id="88" name="Google Shape;88;g1e464f37ce6_0_65:notes"/>
           <p:cNvSpPr txBox="1"/>
           <p:nvPr>
             <p:ph idx="1" type="body"/>
@@ -1098,7 +898,7 @@
   <p:cSld>
     <p:spTree>
       <p:nvGrpSpPr>
-        <p:cNvPr id="25" name="Shape 25"/>
+        <p:cNvPr id="27" name="Shape 27"/>
         <p:cNvGrpSpPr/>
         <p:nvPr/>
       </p:nvGrpSpPr>
@@ -1112,7 +912,7 @@
       </p:grpSpPr>
       <p:sp>
         <p:nvSpPr>
-          <p:cNvPr id="26" name="Google Shape;26;g1e46a871606_0_9:notes"/>
+          <p:cNvPr id="28" name="Google Shape;28;g1e46a871606_0_9:notes"/>
           <p:cNvSpPr/>
           <p:nvPr>
             <p:ph idx="2" type="sldImg"/>
@@ -1147,7 +947,7 @@
       </p:sp>
       <p:sp>
         <p:nvSpPr>
-          <p:cNvPr id="27" name="Google Shape;27;g1e46a871606_0_9:notes"/>
+          <p:cNvPr id="29" name="Google Shape;29;g1e46a871606_0_9:notes"/>
           <p:cNvSpPr txBox="1"/>
           <p:nvPr>
             <p:ph idx="1" type="body"/>
@@ -1197,7 +997,7 @@
   <p:cSld>
     <p:spTree>
       <p:nvGrpSpPr>
-        <p:cNvPr id="32" name="Shape 32"/>
+        <p:cNvPr id="34" name="Shape 34"/>
         <p:cNvGrpSpPr/>
         <p:nvPr/>
       </p:nvGrpSpPr>
@@ -1211,7 +1011,7 @@
       </p:grpSpPr>
       <p:sp>
         <p:nvSpPr>
-          <p:cNvPr id="33" name="Google Shape;33;g1e46a871606_0_36:notes"/>
+          <p:cNvPr id="35" name="Google Shape;35;g1e46a871606_0_36:notes"/>
           <p:cNvSpPr/>
           <p:nvPr>
             <p:ph idx="2" type="sldImg"/>
@@ -1246,7 +1046,7 @@
       </p:sp>
       <p:sp>
         <p:nvSpPr>
-          <p:cNvPr id="34" name="Google Shape;34;g1e46a871606_0_36:notes"/>
+          <p:cNvPr id="36" name="Google Shape;36;g1e46a871606_0_36:notes"/>
           <p:cNvSpPr txBox="1"/>
           <p:nvPr>
             <p:ph idx="1" type="body"/>
@@ -1296,7 +1096,7 @@
   <p:cSld>
     <p:spTree>
       <p:nvGrpSpPr>
-        <p:cNvPr id="39" name="Shape 39"/>
+        <p:cNvPr id="41" name="Shape 41"/>
         <p:cNvGrpSpPr/>
         <p:nvPr/>
       </p:nvGrpSpPr>
@@ -1310,7 +1110,7 @@
       </p:grpSpPr>
       <p:sp>
         <p:nvSpPr>
-          <p:cNvPr id="40" name="Google Shape;40;g1e464f37ce6_0_61:notes"/>
+          <p:cNvPr id="42" name="Google Shape;42;g1e464f37ce6_0_61:notes"/>
           <p:cNvSpPr/>
           <p:nvPr>
             <p:ph idx="2" type="sldImg"/>
@@ -1345,7 +1145,7 @@
       </p:sp>
       <p:sp>
         <p:nvSpPr>
-          <p:cNvPr id="41" name="Google Shape;41;g1e464f37ce6_0_61:notes"/>
+          <p:cNvPr id="43" name="Google Shape;43;g1e464f37ce6_0_61:notes"/>
           <p:cNvSpPr txBox="1"/>
           <p:nvPr>
             <p:ph idx="1" type="body"/>
@@ -1395,7 +1195,7 @@
   <p:cSld>
     <p:spTree>
       <p:nvGrpSpPr>
-        <p:cNvPr id="46" name="Shape 46"/>
+        <p:cNvPr id="48" name="Shape 48"/>
         <p:cNvGrpSpPr/>
         <p:nvPr/>
       </p:nvGrpSpPr>
@@ -1409,7 +1209,7 @@
       </p:grpSpPr>
       <p:sp>
         <p:nvSpPr>
-          <p:cNvPr id="47" name="Google Shape;47;g1e464f37ce6_0_57:notes"/>
+          <p:cNvPr id="49" name="Google Shape;49;g1e464f37ce6_0_57:notes"/>
           <p:cNvSpPr/>
           <p:nvPr>
             <p:ph idx="2" type="sldImg"/>
@@ -1444,7 +1244,7 @@
       </p:sp>
       <p:sp>
         <p:nvSpPr>
-          <p:cNvPr id="48" name="Google Shape;48;g1e464f37ce6_0_57:notes"/>
+          <p:cNvPr id="50" name="Google Shape;50;g1e464f37ce6_0_57:notes"/>
           <p:cNvSpPr txBox="1"/>
           <p:nvPr>
             <p:ph idx="1" type="body"/>
@@ -1494,7 +1294,7 @@
   <p:cSld>
     <p:spTree>
       <p:nvGrpSpPr>
-        <p:cNvPr id="54" name="Shape 54"/>
+        <p:cNvPr id="58" name="Shape 58"/>
         <p:cNvGrpSpPr/>
         <p:nvPr/>
       </p:nvGrpSpPr>
@@ -1508,7 +1308,7 @@
       </p:grpSpPr>
       <p:sp>
         <p:nvSpPr>
-          <p:cNvPr id="55" name="Google Shape;55;g1e46a871606_0_48:notes"/>
+          <p:cNvPr id="59" name="Google Shape;59;g1e46a871606_0_48:notes"/>
           <p:cNvSpPr/>
           <p:nvPr>
             <p:ph idx="2" type="sldImg"/>
@@ -1543,7 +1343,7 @@
       </p:sp>
       <p:sp>
         <p:nvSpPr>
-          <p:cNvPr id="56" name="Google Shape;56;g1e46a871606_0_48:notes"/>
+          <p:cNvPr id="60" name="Google Shape;60;g1e46a871606_0_48:notes"/>
           <p:cNvSpPr txBox="1"/>
           <p:nvPr>
             <p:ph idx="1" type="body"/>
@@ -1593,7 +1393,7 @@
   <p:cSld>
     <p:spTree>
       <p:nvGrpSpPr>
-        <p:cNvPr id="61" name="Shape 61"/>
+        <p:cNvPr id="65" name="Shape 65"/>
         <p:cNvGrpSpPr/>
         <p:nvPr/>
       </p:nvGrpSpPr>
@@ -1607,7 +1407,7 @@
       </p:grpSpPr>
       <p:sp>
         <p:nvSpPr>
-          <p:cNvPr id="62" name="Google Shape;62;g1e464f37ce6_0_90:notes"/>
+          <p:cNvPr id="66" name="Google Shape;66;g1e464f37ce6_0_90:notes"/>
           <p:cNvSpPr/>
           <p:nvPr>
             <p:ph idx="2" type="sldImg"/>
@@ -1642,7 +1442,7 @@
       </p:sp>
       <p:sp>
         <p:nvSpPr>
-          <p:cNvPr id="63" name="Google Shape;63;g1e464f37ce6_0_90:notes"/>
+          <p:cNvPr id="67" name="Google Shape;67;g1e464f37ce6_0_90:notes"/>
           <p:cNvSpPr txBox="1"/>
           <p:nvPr>
             <p:ph idx="1" type="body"/>
@@ -1692,7 +1492,7 @@
   <p:cSld>
     <p:spTree>
       <p:nvGrpSpPr>
-        <p:cNvPr id="68" name="Shape 68"/>
+        <p:cNvPr id="72" name="Shape 72"/>
         <p:cNvGrpSpPr/>
         <p:nvPr/>
       </p:nvGrpSpPr>
@@ -1706,7 +1506,7 @@
       </p:grpSpPr>
       <p:sp>
         <p:nvSpPr>
-          <p:cNvPr id="69" name="Google Shape;69;g1e46a8717a4_0_11:notes"/>
+          <p:cNvPr id="73" name="Google Shape;73;g1e46a8717a4_0_11:notes"/>
           <p:cNvSpPr/>
           <p:nvPr>
             <p:ph idx="2" type="sldImg"/>
@@ -1741,7 +1541,7 @@
       </p:sp>
       <p:sp>
         <p:nvSpPr>
-          <p:cNvPr id="70" name="Google Shape;70;g1e46a8717a4_0_11:notes"/>
+          <p:cNvPr id="74" name="Google Shape;74;g1e46a8717a4_0_11:notes"/>
           <p:cNvSpPr txBox="1"/>
           <p:nvPr>
             <p:ph idx="1" type="body"/>
@@ -1791,7 +1591,7 @@
   <p:cSld>
     <p:spTree>
       <p:nvGrpSpPr>
-        <p:cNvPr id="75" name="Shape 75"/>
+        <p:cNvPr id="79" name="Shape 79"/>
         <p:cNvGrpSpPr/>
         <p:nvPr/>
       </p:nvGrpSpPr>
@@ -1805,7 +1605,7 @@
       </p:grpSpPr>
       <p:sp>
         <p:nvSpPr>
-          <p:cNvPr id="76" name="Google Shape;76;g1e46a8717a4_0_19:notes"/>
+          <p:cNvPr id="80" name="Google Shape;80;g1e46a8717a4_0_19:notes"/>
           <p:cNvSpPr/>
           <p:nvPr>
             <p:ph idx="2" type="sldImg"/>
@@ -1840,7 +1640,7 @@
       </p:sp>
       <p:sp>
         <p:nvSpPr>
-          <p:cNvPr id="77" name="Google Shape;77;g1e46a8717a4_0_19:notes"/>
+          <p:cNvPr id="81" name="Google Shape;81;g1e46a8717a4_0_19:notes"/>
           <p:cNvSpPr txBox="1"/>
           <p:nvPr>
             <p:ph idx="1" type="body"/>
@@ -3889,24 +3689,16 @@
           </a:p>
         </p:txBody>
       </p:sp>
-      <p:pic>
-        <p:nvPicPr>
+      <p:sp>
+        <p:nvSpPr>
           <p:cNvPr id="24" name="Google Shape;24;p4"/>
-          <p:cNvPicPr preferRelativeResize="0"/>
+          <p:cNvSpPr txBox="1"/>
           <p:nvPr/>
-        </p:nvPicPr>
-        <p:blipFill>
-          <a:blip r:embed="rId3">
-            <a:alphaModFix/>
-          </a:blip>
-          <a:stretch>
-            <a:fillRect/>
-          </a:stretch>
-        </p:blipFill>
-        <p:spPr>
-          <a:xfrm>
-            <a:off x="2348387" y="493825"/>
-            <a:ext cx="4447225" cy="4460050"/>
+        </p:nvSpPr>
+        <p:spPr>
+          <a:xfrm>
+            <a:off x="610600" y="1521200"/>
+            <a:ext cx="8143200" cy="923400"/>
           </a:xfrm>
           <a:prstGeom prst="rect">
             <a:avLst/>
@@ -3916,7 +3708,214 @@
             <a:noFill/>
           </a:ln>
         </p:spPr>
-      </p:pic>
+        <p:txBody>
+          <a:bodyPr anchorCtr="0" anchor="t" bIns="91425" lIns="91425" spcFirstLastPara="1" rIns="91425" wrap="square" tIns="91425">
+            <a:spAutoFit/>
+          </a:bodyPr>
+          <a:lstStyle/>
+          <a:p>
+            <a:pPr indent="0" lvl="0" marL="0" rtl="0" algn="ctr">
+              <a:spcBef>
+                <a:spcPts val="500"/>
+              </a:spcBef>
+              <a:spcAft>
+                <a:spcPts val="500"/>
+              </a:spcAft>
+              <a:buClr>
+                <a:schemeClr val="dk1"/>
+              </a:buClr>
+              <a:buSzPts val="1100"/>
+              <a:buFont typeface="Arial"/>
+              <a:buNone/>
+            </a:pPr>
+            <a:r>
+              <a:rPr lang="pt-BR" sz="2400">
+                <a:solidFill>
+                  <a:schemeClr val="dk1"/>
+                </a:solidFill>
+                <a:latin typeface="Times New Roman"/>
+                <a:ea typeface="Times New Roman"/>
+                <a:cs typeface="Times New Roman"/>
+                <a:sym typeface="Times New Roman"/>
+              </a:rPr>
+              <a:t>Sinais de Libras para Áudio: primeiros passos de uma ferramenta inovadora  </a:t>
+            </a:r>
+            <a:endParaRPr sz="2000"/>
+          </a:p>
+        </p:txBody>
+      </p:sp>
+      <p:sp>
+        <p:nvSpPr>
+          <p:cNvPr id="25" name="Google Shape;25;p4"/>
+          <p:cNvSpPr txBox="1"/>
+          <p:nvPr/>
+        </p:nvSpPr>
+        <p:spPr>
+          <a:xfrm>
+            <a:off x="781900" y="2752100"/>
+            <a:ext cx="7800600" cy="864600"/>
+          </a:xfrm>
+          <a:prstGeom prst="rect">
+            <a:avLst/>
+          </a:prstGeom>
+          <a:noFill/>
+          <a:ln>
+            <a:noFill/>
+          </a:ln>
+        </p:spPr>
+        <p:txBody>
+          <a:bodyPr anchorCtr="0" anchor="t" bIns="91425" lIns="91425" spcFirstLastPara="1" rIns="91425" wrap="square" tIns="91425">
+            <a:spAutoFit/>
+          </a:bodyPr>
+          <a:lstStyle/>
+          <a:p>
+            <a:pPr indent="0" lvl="0" marL="0" rtl="0" algn="ctr">
+              <a:spcBef>
+                <a:spcPts val="500"/>
+              </a:spcBef>
+              <a:spcAft>
+                <a:spcPts val="0"/>
+              </a:spcAft>
+              <a:buNone/>
+            </a:pPr>
+            <a:r>
+              <a:rPr lang="pt-BR" sz="2000">
+                <a:solidFill>
+                  <a:schemeClr val="dk1"/>
+                </a:solidFill>
+                <a:latin typeface="Times New Roman"/>
+                <a:ea typeface="Times New Roman"/>
+                <a:cs typeface="Times New Roman"/>
+                <a:sym typeface="Times New Roman"/>
+              </a:rPr>
+              <a:t>Isabela Cristina Silva Pedro</a:t>
+            </a:r>
+            <a:endParaRPr sz="2000">
+              <a:solidFill>
+                <a:schemeClr val="dk1"/>
+              </a:solidFill>
+              <a:latin typeface="Times New Roman"/>
+              <a:ea typeface="Times New Roman"/>
+              <a:cs typeface="Times New Roman"/>
+              <a:sym typeface="Times New Roman"/>
+            </a:endParaRPr>
+          </a:p>
+          <a:p>
+            <a:pPr indent="0" lvl="0" marL="0" rtl="0" algn="ctr">
+              <a:spcBef>
+                <a:spcPts val="500"/>
+              </a:spcBef>
+              <a:spcAft>
+                <a:spcPts val="500"/>
+              </a:spcAft>
+              <a:buNone/>
+            </a:pPr>
+            <a:r>
+              <a:rPr lang="pt-BR" sz="2000">
+                <a:solidFill>
+                  <a:schemeClr val="dk1"/>
+                </a:solidFill>
+                <a:latin typeface="Times New Roman"/>
+                <a:ea typeface="Times New Roman"/>
+                <a:cs typeface="Times New Roman"/>
+                <a:sym typeface="Times New Roman"/>
+              </a:rPr>
+              <a:t>Nicolas Alves Suzuki</a:t>
+            </a:r>
+            <a:endParaRPr sz="2000">
+              <a:solidFill>
+                <a:schemeClr val="dk1"/>
+              </a:solidFill>
+              <a:latin typeface="Times New Roman"/>
+              <a:ea typeface="Times New Roman"/>
+              <a:cs typeface="Times New Roman"/>
+              <a:sym typeface="Times New Roman"/>
+            </a:endParaRPr>
+          </a:p>
+        </p:txBody>
+      </p:sp>
+      <p:sp>
+        <p:nvSpPr>
+          <p:cNvPr id="26" name="Google Shape;26;p4"/>
+          <p:cNvSpPr txBox="1"/>
+          <p:nvPr/>
+        </p:nvSpPr>
+        <p:spPr>
+          <a:xfrm>
+            <a:off x="781900" y="2135750"/>
+            <a:ext cx="7800600" cy="492600"/>
+          </a:xfrm>
+          <a:prstGeom prst="rect">
+            <a:avLst/>
+          </a:prstGeom>
+          <a:noFill/>
+          <a:ln>
+            <a:noFill/>
+          </a:ln>
+        </p:spPr>
+        <p:txBody>
+          <a:bodyPr anchorCtr="0" anchor="t" bIns="91425" lIns="91425" spcFirstLastPara="1" rIns="91425" wrap="square" tIns="91425">
+            <a:spAutoFit/>
+          </a:bodyPr>
+          <a:lstStyle/>
+          <a:p>
+            <a:pPr indent="0" lvl="0" marL="0" rtl="0" algn="ctr">
+              <a:spcBef>
+                <a:spcPts val="500"/>
+              </a:spcBef>
+              <a:spcAft>
+                <a:spcPts val="500"/>
+              </a:spcAft>
+              <a:buNone/>
+            </a:pPr>
+            <a:r>
+              <a:rPr lang="pt-BR" sz="2000">
+                <a:solidFill>
+                  <a:schemeClr val="dk1"/>
+                </a:solidFill>
+                <a:latin typeface="Times New Roman"/>
+                <a:ea typeface="Times New Roman"/>
+                <a:cs typeface="Times New Roman"/>
+                <a:sym typeface="Times New Roman"/>
+              </a:rPr>
+              <a:t>_________________________________________________</a:t>
+            </a:r>
+            <a:r>
+              <a:rPr lang="pt-BR" sz="2000">
+                <a:solidFill>
+                  <a:schemeClr val="dk1"/>
+                </a:solidFill>
+                <a:latin typeface="Times New Roman"/>
+                <a:ea typeface="Times New Roman"/>
+                <a:cs typeface="Times New Roman"/>
+                <a:sym typeface="Times New Roman"/>
+              </a:rPr>
+              <a:t>__</a:t>
+            </a:r>
+            <a:r>
+              <a:rPr lang="pt-BR" sz="2000">
+                <a:solidFill>
+                  <a:schemeClr val="dk1"/>
+                </a:solidFill>
+                <a:latin typeface="Times New Roman"/>
+                <a:ea typeface="Times New Roman"/>
+                <a:cs typeface="Times New Roman"/>
+                <a:sym typeface="Times New Roman"/>
+              </a:rPr>
+              <a:t>____</a:t>
+            </a:r>
+            <a:endParaRPr sz="2000">
+              <a:solidFill>
+                <a:schemeClr val="dk1"/>
+              </a:solidFill>
+              <a:latin typeface="Times New Roman"/>
+              <a:ea typeface="Times New Roman"/>
+              <a:cs typeface="Times New Roman"/>
+              <a:sym typeface="Times New Roman"/>
+            </a:endParaRPr>
+          </a:p>
+        </p:txBody>
+      </p:sp>
     </p:spTree>
   </p:cSld>
   <p:clrMapOvr>
@@ -3930,7 +3929,7 @@
   <p:cSld>
     <p:spTree>
       <p:nvGrpSpPr>
-        <p:cNvPr id="85" name="Shape 85"/>
+        <p:cNvPr id="89" name="Shape 89"/>
         <p:cNvGrpSpPr/>
         <p:nvPr/>
       </p:nvGrpSpPr>
@@ -3944,7 +3943,7 @@
       </p:grpSpPr>
       <p:sp>
         <p:nvSpPr>
-          <p:cNvPr id="86" name="Google Shape;86;p13"/>
+          <p:cNvPr id="90" name="Google Shape;90;p13"/>
           <p:cNvSpPr txBox="1"/>
           <p:nvPr>
             <p:ph type="ctrTitle"/>
@@ -3993,7 +3992,7 @@
       </p:sp>
       <p:sp>
         <p:nvSpPr>
-          <p:cNvPr id="87" name="Google Shape;87;p13"/>
+          <p:cNvPr id="91" name="Google Shape;91;p13"/>
           <p:cNvSpPr txBox="1"/>
           <p:nvPr>
             <p:ph idx="12" type="sldNum"/>
@@ -4033,14 +4032,14 @@
       </p:sp>
       <p:sp>
         <p:nvSpPr>
-          <p:cNvPr id="88" name="Google Shape;88;p13"/>
+          <p:cNvPr id="92" name="Google Shape;92;p13"/>
           <p:cNvSpPr txBox="1"/>
           <p:nvPr/>
         </p:nvSpPr>
         <p:spPr>
           <a:xfrm>
-            <a:off x="582650" y="1076175"/>
-            <a:ext cx="8143200" cy="800400"/>
+            <a:off x="500400" y="870213"/>
+            <a:ext cx="8143200" cy="1416000"/>
           </a:xfrm>
           <a:prstGeom prst="rect">
             <a:avLst/>
@@ -4064,13 +4063,24 @@
                 <a:spcPts val="0"/>
               </a:spcAft>
               <a:buSzPts val="2000"/>
+              <a:buFont typeface="Times New Roman"/>
               <a:buChar char="●"/>
             </a:pPr>
             <a:r>
-              <a:rPr lang="pt-BR" sz="2000"/>
-              <a:t>Colocar as tabelas e Gráficos que foram criados no artigo;</a:t>
+              <a:rPr lang="pt-BR" sz="2000">
+                <a:latin typeface="Times New Roman"/>
+                <a:ea typeface="Times New Roman"/>
+                <a:cs typeface="Times New Roman"/>
+                <a:sym typeface="Times New Roman"/>
+              </a:rPr>
+              <a:t>Acurácia média do modelo:</a:t>
             </a:r>
-            <a:endParaRPr sz="2000"/>
+            <a:endParaRPr sz="2000">
+              <a:latin typeface="Times New Roman"/>
+              <a:ea typeface="Times New Roman"/>
+              <a:cs typeface="Times New Roman"/>
+              <a:sym typeface="Times New Roman"/>
+            </a:endParaRPr>
           </a:p>
           <a:p>
             <a:pPr indent="-355600" lvl="0" marL="457200" rtl="0" algn="l">
@@ -4081,140 +4091,81 @@
                 <a:spcPts val="0"/>
               </a:spcAft>
               <a:buSzPts val="2000"/>
+              <a:buFont typeface="Times New Roman"/>
               <a:buChar char="●"/>
             </a:pPr>
             <a:r>
-              <a:rPr lang="pt-BR" sz="2000"/>
-              <a:t>Discutir os resultados mais importantes;</a:t>
+              <a:rPr lang="pt-BR" sz="2000">
+                <a:latin typeface="Times New Roman"/>
+                <a:ea typeface="Times New Roman"/>
+                <a:cs typeface="Times New Roman"/>
+                <a:sym typeface="Times New Roman"/>
+              </a:rPr>
+              <a:t>Acurácia no primeiro experimento:</a:t>
             </a:r>
-            <a:endParaRPr sz="2000"/>
+            <a:br>
+              <a:rPr lang="pt-BR" sz="2000">
+                <a:latin typeface="Times New Roman"/>
+                <a:ea typeface="Times New Roman"/>
+                <a:cs typeface="Times New Roman"/>
+                <a:sym typeface="Times New Roman"/>
+              </a:rPr>
+            </a:br>
+            <a:endParaRPr sz="2000">
+              <a:latin typeface="Times New Roman"/>
+              <a:ea typeface="Times New Roman"/>
+              <a:cs typeface="Times New Roman"/>
+              <a:sym typeface="Times New Roman"/>
+            </a:endParaRPr>
           </a:p>
-        </p:txBody>
-      </p:sp>
-    </p:spTree>
-  </p:cSld>
-  <p:clrMapOvr>
-    <a:masterClrMapping/>
-  </p:clrMapOvr>
-</p:sld>
-</file>
-
-<file path=ppt/slides/slide11.xml><?xml version="1.0" encoding="utf-8"?>
-<p:sld xmlns:a="http://schemas.openxmlformats.org/drawingml/2006/main" xmlns:r="http://schemas.openxmlformats.org/officeDocument/2006/relationships" xmlns:mc="http://schemas.openxmlformats.org/markup-compatibility/2006" xmlns:mv="urn:schemas-microsoft-com:mac:vml" xmlns:p="http://schemas.openxmlformats.org/presentationml/2006/main" xmlns:c="http://schemas.openxmlformats.org/drawingml/2006/chart" xmlns:dgm="http://schemas.openxmlformats.org/drawingml/2006/diagram" xmlns:o="urn:schemas-microsoft-com:office:office" xmlns:v="urn:schemas-microsoft-com:vml" xmlns:pvml="urn:schemas-microsoft-com:office:powerpoint" xmlns:com="http://schemas.openxmlformats.org/drawingml/2006/compatibility" xmlns:p14="http://schemas.microsoft.com/office/powerpoint/2010/main" xmlns:p15="http://schemas.microsoft.com/office/powerpoint/2012/main" xmlns:ahyp="http://schemas.microsoft.com/office/drawing/2018/hyperlinkcolor">
-  <p:cSld>
-    <p:spTree>
-      <p:nvGrpSpPr>
-        <p:cNvPr id="92" name="Shape 92"/>
-        <p:cNvGrpSpPr/>
-        <p:nvPr/>
-      </p:nvGrpSpPr>
-      <p:grpSpPr>
-        <a:xfrm>
-          <a:off x="0" y="0"/>
-          <a:ext cx="0" cy="0"/>
-          <a:chOff x="0" y="0"/>
-          <a:chExt cx="0" cy="0"/>
-        </a:xfrm>
-      </p:grpSpPr>
-      <p:sp>
-        <p:nvSpPr>
-          <p:cNvPr id="93" name="Google Shape;93;p14"/>
-          <p:cNvSpPr txBox="1"/>
-          <p:nvPr>
-            <p:ph type="ctrTitle"/>
-          </p:nvPr>
-        </p:nvSpPr>
-        <p:spPr>
-          <a:xfrm>
-            <a:off x="311700" y="58775"/>
-            <a:ext cx="8520600" cy="525900"/>
-          </a:xfrm>
-          <a:prstGeom prst="rect">
-            <a:avLst/>
-          </a:prstGeom>
-        </p:spPr>
-        <p:txBody>
-          <a:bodyPr anchorCtr="0" anchor="b" bIns="91425" lIns="91425" spcFirstLastPara="1" rIns="91425" wrap="square" tIns="91425">
-            <a:noAutofit/>
-          </a:bodyPr>
-          <a:lstStyle/>
           <a:p>
-            <a:pPr indent="0" lvl="0" marL="0" rtl="0" algn="ctr">
-              <a:spcBef>
-                <a:spcPts val="0"/>
-              </a:spcBef>
-              <a:spcAft>
-                <a:spcPts val="0"/>
-              </a:spcAft>
-              <a:buSzPts val="990"/>
-              <a:buNone/>
+            <a:pPr indent="-355600" lvl="0" marL="457200" rtl="0" algn="l">
+              <a:spcBef>
+                <a:spcPts val="0"/>
+              </a:spcBef>
+              <a:spcAft>
+                <a:spcPts val="0"/>
+              </a:spcAft>
+              <a:buSzPts val="2000"/>
+              <a:buFont typeface="Times New Roman"/>
+              <a:buChar char="●"/>
             </a:pPr>
             <a:r>
-              <a:rPr lang="pt-BR" sz="3180">
-                <a:solidFill>
-                  <a:schemeClr val="lt1"/>
-                </a:solidFill>
+              <a:rPr lang="pt-BR" sz="2000">
+                <a:latin typeface="Times New Roman"/>
+                <a:ea typeface="Times New Roman"/>
+                <a:cs typeface="Times New Roman"/>
+                <a:sym typeface="Times New Roman"/>
               </a:rPr>
-              <a:t>Conclusão</a:t>
+              <a:t>Segundo experimento:</a:t>
             </a:r>
-            <a:endParaRPr sz="3180">
-              <a:solidFill>
-                <a:schemeClr val="lt1"/>
-              </a:solidFill>
+            <a:endParaRPr sz="2000">
+              <a:latin typeface="Times New Roman"/>
+              <a:ea typeface="Times New Roman"/>
+              <a:cs typeface="Times New Roman"/>
+              <a:sym typeface="Times New Roman"/>
             </a:endParaRPr>
           </a:p>
         </p:txBody>
       </p:sp>
-      <p:sp>
-        <p:nvSpPr>
-          <p:cNvPr id="94" name="Google Shape;94;p14"/>
-          <p:cNvSpPr txBox="1"/>
-          <p:nvPr>
-            <p:ph idx="12" type="sldNum"/>
-          </p:nvPr>
-        </p:nvSpPr>
-        <p:spPr>
-          <a:xfrm>
-            <a:off x="4400103" y="4864025"/>
-            <a:ext cx="343800" cy="393600"/>
-          </a:xfrm>
-          <a:prstGeom prst="rect">
-            <a:avLst/>
-          </a:prstGeom>
-        </p:spPr>
-        <p:txBody>
-          <a:bodyPr anchorCtr="0" anchor="ctr" bIns="91425" lIns="91425" spcFirstLastPara="1" rIns="91425" wrap="square" tIns="91425">
-            <a:normAutofit/>
-          </a:bodyPr>
-          <a:lstStyle/>
-          <a:p>
-            <a:pPr indent="0" lvl="0" marL="0" rtl="0" algn="r">
-              <a:spcBef>
-                <a:spcPts val="0"/>
-              </a:spcBef>
-              <a:spcAft>
-                <a:spcPts val="0"/>
-              </a:spcAft>
-              <a:buNone/>
-            </a:pPr>
-            <a:fld id="{00000000-1234-1234-1234-123412341234}" type="slidenum">
-              <a:rPr lang="pt-BR"/>
-              <a:t>‹#›</a:t>
-            </a:fld>
-            <a:endParaRPr/>
-          </a:p>
-        </p:txBody>
-      </p:sp>
-      <p:sp>
-        <p:nvSpPr>
-          <p:cNvPr id="95" name="Google Shape;95;p14"/>
-          <p:cNvSpPr txBox="1"/>
+      <p:pic>
+        <p:nvPicPr>
+          <p:cNvPr id="93" name="Google Shape;93;p13"/>
+          <p:cNvPicPr preferRelativeResize="0"/>
           <p:nvPr/>
-        </p:nvSpPr>
-        <p:spPr>
-          <a:xfrm>
-            <a:off x="582650" y="1076175"/>
-            <a:ext cx="8143200" cy="1416000"/>
+        </p:nvPicPr>
+        <p:blipFill>
+          <a:blip r:embed="rId3">
+            <a:alphaModFix/>
+          </a:blip>
+          <a:stretch>
+            <a:fillRect/>
+          </a:stretch>
+        </p:blipFill>
+        <p:spPr>
+          <a:xfrm>
+            <a:off x="811500" y="2273213"/>
+            <a:ext cx="1189375" cy="902275"/>
           </a:xfrm>
           <a:prstGeom prst="rect">
             <a:avLst/>
@@ -4224,6 +4175,166 @@
             <a:noFill/>
           </a:ln>
         </p:spPr>
+      </p:pic>
+      <p:pic>
+        <p:nvPicPr>
+          <p:cNvPr id="94" name="Google Shape;94;p13"/>
+          <p:cNvPicPr preferRelativeResize="0"/>
+          <p:nvPr/>
+        </p:nvPicPr>
+        <p:blipFill>
+          <a:blip r:embed="rId4">
+            <a:alphaModFix/>
+          </a:blip>
+          <a:stretch>
+            <a:fillRect/>
+          </a:stretch>
+        </p:blipFill>
+        <p:spPr>
+          <a:xfrm>
+            <a:off x="2168618" y="2273213"/>
+            <a:ext cx="1209857" cy="902275"/>
+          </a:xfrm>
+          <a:prstGeom prst="rect">
+            <a:avLst/>
+          </a:prstGeom>
+          <a:noFill/>
+          <a:ln>
+            <a:noFill/>
+          </a:ln>
+        </p:spPr>
+      </p:pic>
+      <p:pic>
+        <p:nvPicPr>
+          <p:cNvPr id="95" name="Google Shape;95;p13"/>
+          <p:cNvPicPr preferRelativeResize="0"/>
+          <p:nvPr/>
+        </p:nvPicPr>
+        <p:blipFill>
+          <a:blip r:embed="rId5">
+            <a:alphaModFix/>
+          </a:blip>
+          <a:stretch>
+            <a:fillRect/>
+          </a:stretch>
+        </p:blipFill>
+        <p:spPr>
+          <a:xfrm>
+            <a:off x="4923813" y="2273213"/>
+            <a:ext cx="1189375" cy="902284"/>
+          </a:xfrm>
+          <a:prstGeom prst="rect">
+            <a:avLst/>
+          </a:prstGeom>
+          <a:noFill/>
+          <a:ln>
+            <a:noFill/>
+          </a:ln>
+        </p:spPr>
+      </p:pic>
+      <p:pic>
+        <p:nvPicPr>
+          <p:cNvPr id="96" name="Google Shape;96;p13"/>
+          <p:cNvPicPr preferRelativeResize="0"/>
+          <p:nvPr/>
+        </p:nvPicPr>
+        <p:blipFill>
+          <a:blip r:embed="rId6">
+            <a:alphaModFix/>
+          </a:blip>
+          <a:stretch>
+            <a:fillRect/>
+          </a:stretch>
+        </p:blipFill>
+        <p:spPr>
+          <a:xfrm>
+            <a:off x="3546225" y="2273218"/>
+            <a:ext cx="1209850" cy="902270"/>
+          </a:xfrm>
+          <a:prstGeom prst="rect">
+            <a:avLst/>
+          </a:prstGeom>
+          <a:noFill/>
+          <a:ln>
+            <a:noFill/>
+          </a:ln>
+        </p:spPr>
+      </p:pic>
+      <p:pic>
+        <p:nvPicPr>
+          <p:cNvPr id="97" name="Google Shape;97;p13"/>
+          <p:cNvPicPr preferRelativeResize="0"/>
+          <p:nvPr/>
+        </p:nvPicPr>
+        <p:blipFill>
+          <a:blip r:embed="rId7">
+            <a:alphaModFix/>
+          </a:blip>
+          <a:stretch>
+            <a:fillRect/>
+          </a:stretch>
+        </p:blipFill>
+        <p:spPr>
+          <a:xfrm>
+            <a:off x="6280950" y="2273213"/>
+            <a:ext cx="1189375" cy="902284"/>
+          </a:xfrm>
+          <a:prstGeom prst="rect">
+            <a:avLst/>
+          </a:prstGeom>
+          <a:noFill/>
+          <a:ln>
+            <a:noFill/>
+          </a:ln>
+        </p:spPr>
+      </p:pic>
+      <p:pic>
+        <p:nvPicPr>
+          <p:cNvPr id="98" name="Google Shape;98;p13"/>
+          <p:cNvPicPr preferRelativeResize="0"/>
+          <p:nvPr/>
+        </p:nvPicPr>
+        <p:blipFill>
+          <a:blip r:embed="rId8">
+            <a:alphaModFix/>
+          </a:blip>
+          <a:stretch>
+            <a:fillRect/>
+          </a:stretch>
+        </p:blipFill>
+        <p:spPr>
+          <a:xfrm>
+            <a:off x="811500" y="3961200"/>
+            <a:ext cx="2981325" cy="762000"/>
+          </a:xfrm>
+          <a:prstGeom prst="rect">
+            <a:avLst/>
+          </a:prstGeom>
+          <a:noFill/>
+          <a:ln>
+            <a:noFill/>
+          </a:ln>
+        </p:spPr>
+      </p:pic>
+      <p:sp>
+        <p:nvSpPr>
+          <p:cNvPr id="99" name="Google Shape;99;p13"/>
+          <p:cNvSpPr txBox="1"/>
+          <p:nvPr/>
+        </p:nvSpPr>
+        <p:spPr>
+          <a:xfrm>
+            <a:off x="500400" y="3514663"/>
+            <a:ext cx="8143200" cy="492600"/>
+          </a:xfrm>
+          <a:prstGeom prst="rect">
+            <a:avLst/>
+          </a:prstGeom>
+          <a:noFill/>
+          <a:ln>
+            <a:noFill/>
+          </a:ln>
+        </p:spPr>
         <p:txBody>
           <a:bodyPr anchorCtr="0" anchor="t" bIns="91425" lIns="91425" spcFirstLastPara="1" rIns="91425" wrap="square" tIns="91425">
             <a:spAutoFit/>
@@ -4238,204 +4349,24 @@
                 <a:spcPts val="0"/>
               </a:spcAft>
               <a:buSzPts val="2000"/>
+              <a:buFont typeface="Times New Roman"/>
               <a:buChar char="●"/>
             </a:pPr>
             <a:r>
-              <a:rPr lang="pt-BR" sz="2000"/>
-              <a:t>Retomar a aplicação, motivação e sua proposta;</a:t>
+              <a:rPr lang="pt-BR" sz="2000">
+                <a:latin typeface="Times New Roman"/>
+                <a:ea typeface="Times New Roman"/>
+                <a:cs typeface="Times New Roman"/>
+                <a:sym typeface="Times New Roman"/>
+              </a:rPr>
+              <a:t>Saída:</a:t>
             </a:r>
-            <a:endParaRPr sz="2000"/>
-          </a:p>
-          <a:p>
-            <a:pPr indent="-355600" lvl="0" marL="457200" rtl="0" algn="l">
-              <a:spcBef>
-                <a:spcPts val="0"/>
-              </a:spcBef>
-              <a:spcAft>
-                <a:spcPts val="0"/>
-              </a:spcAft>
-              <a:buSzPts val="2000"/>
-              <a:buChar char="●"/>
-            </a:pPr>
-            <a:r>
-              <a:rPr lang="pt-BR" sz="2000"/>
-              <a:t>Comentar os “achados” mais importantes de seu projeto;</a:t>
-            </a:r>
-            <a:endParaRPr sz="2000"/>
-          </a:p>
-          <a:p>
-            <a:pPr indent="-355600" lvl="0" marL="457200" rtl="0" algn="l">
-              <a:spcBef>
-                <a:spcPts val="0"/>
-              </a:spcBef>
-              <a:spcAft>
-                <a:spcPts val="0"/>
-              </a:spcAft>
-              <a:buSzPts val="2000"/>
-              <a:buChar char="●"/>
-            </a:pPr>
-            <a:r>
-              <a:rPr lang="pt-BR" sz="2000"/>
-              <a:t>Comentar os próximos passo (trabalhos futuros) caso queira continuar esse projeto.</a:t>
-            </a:r>
-            <a:endParaRPr sz="2000"/>
-          </a:p>
-        </p:txBody>
-      </p:sp>
-    </p:spTree>
-  </p:cSld>
-  <p:clrMapOvr>
-    <a:masterClrMapping/>
-  </p:clrMapOvr>
-</p:sld>
-</file>
-
-<file path=ppt/slides/slide12.xml><?xml version="1.0" encoding="utf-8"?>
-<p:sld xmlns:a="http://schemas.openxmlformats.org/drawingml/2006/main" xmlns:r="http://schemas.openxmlformats.org/officeDocument/2006/relationships" xmlns:mc="http://schemas.openxmlformats.org/markup-compatibility/2006" xmlns:mv="urn:schemas-microsoft-com:mac:vml" xmlns:p="http://schemas.openxmlformats.org/presentationml/2006/main" xmlns:c="http://schemas.openxmlformats.org/drawingml/2006/chart" xmlns:dgm="http://schemas.openxmlformats.org/drawingml/2006/diagram" xmlns:o="urn:schemas-microsoft-com:office:office" xmlns:v="urn:schemas-microsoft-com:vml" xmlns:pvml="urn:schemas-microsoft-com:office:powerpoint" xmlns:com="http://schemas.openxmlformats.org/drawingml/2006/compatibility" xmlns:p14="http://schemas.microsoft.com/office/powerpoint/2010/main" xmlns:p15="http://schemas.microsoft.com/office/powerpoint/2012/main" xmlns:ahyp="http://schemas.microsoft.com/office/drawing/2018/hyperlinkcolor">
-  <p:cSld>
-    <p:spTree>
-      <p:nvGrpSpPr>
-        <p:cNvPr id="99" name="Shape 99"/>
-        <p:cNvGrpSpPr/>
-        <p:nvPr/>
-      </p:nvGrpSpPr>
-      <p:grpSpPr>
-        <a:xfrm>
-          <a:off x="0" y="0"/>
-          <a:ext cx="0" cy="0"/>
-          <a:chOff x="0" y="0"/>
-          <a:chExt cx="0" cy="0"/>
-        </a:xfrm>
-      </p:grpSpPr>
-      <p:sp>
-        <p:nvSpPr>
-          <p:cNvPr id="100" name="Google Shape;100;p15"/>
-          <p:cNvSpPr txBox="1"/>
-          <p:nvPr>
-            <p:ph type="ctrTitle"/>
-          </p:nvPr>
-        </p:nvSpPr>
-        <p:spPr>
-          <a:xfrm>
-            <a:off x="311700" y="58775"/>
-            <a:ext cx="8520600" cy="525900"/>
-          </a:xfrm>
-          <a:prstGeom prst="rect">
-            <a:avLst/>
-          </a:prstGeom>
-        </p:spPr>
-        <p:txBody>
-          <a:bodyPr anchorCtr="0" anchor="b" bIns="91425" lIns="91425" spcFirstLastPara="1" rIns="91425" wrap="square" tIns="91425">
-            <a:noAutofit/>
-          </a:bodyPr>
-          <a:lstStyle/>
-          <a:p>
-            <a:pPr indent="0" lvl="0" marL="0" rtl="0" algn="ctr">
-              <a:spcBef>
-                <a:spcPts val="0"/>
-              </a:spcBef>
-              <a:spcAft>
-                <a:spcPts val="0"/>
-              </a:spcAft>
-              <a:buSzPts val="990"/>
-              <a:buNone/>
-            </a:pPr>
-            <a:r>
-              <a:rPr lang="pt-BR" sz="3180">
-                <a:solidFill>
-                  <a:schemeClr val="lt1"/>
-                </a:solidFill>
-              </a:rPr>
-              <a:t>Agradecimentos</a:t>
-            </a:r>
-            <a:endParaRPr sz="3180">
-              <a:solidFill>
-                <a:schemeClr val="lt1"/>
-              </a:solidFill>
+            <a:endParaRPr sz="2000">
+              <a:latin typeface="Times New Roman"/>
+              <a:ea typeface="Times New Roman"/>
+              <a:cs typeface="Times New Roman"/>
+              <a:sym typeface="Times New Roman"/>
             </a:endParaRPr>
-          </a:p>
-        </p:txBody>
-      </p:sp>
-      <p:sp>
-        <p:nvSpPr>
-          <p:cNvPr id="101" name="Google Shape;101;p15"/>
-          <p:cNvSpPr txBox="1"/>
-          <p:nvPr>
-            <p:ph idx="12" type="sldNum"/>
-          </p:nvPr>
-        </p:nvSpPr>
-        <p:spPr>
-          <a:xfrm>
-            <a:off x="4400103" y="4864025"/>
-            <a:ext cx="343800" cy="393600"/>
-          </a:xfrm>
-          <a:prstGeom prst="rect">
-            <a:avLst/>
-          </a:prstGeom>
-        </p:spPr>
-        <p:txBody>
-          <a:bodyPr anchorCtr="0" anchor="ctr" bIns="91425" lIns="91425" spcFirstLastPara="1" rIns="91425" wrap="square" tIns="91425">
-            <a:normAutofit/>
-          </a:bodyPr>
-          <a:lstStyle/>
-          <a:p>
-            <a:pPr indent="0" lvl="0" marL="0" rtl="0" algn="r">
-              <a:spcBef>
-                <a:spcPts val="0"/>
-              </a:spcBef>
-              <a:spcAft>
-                <a:spcPts val="0"/>
-              </a:spcAft>
-              <a:buNone/>
-            </a:pPr>
-            <a:fld id="{00000000-1234-1234-1234-123412341234}" type="slidenum">
-              <a:rPr lang="pt-BR"/>
-              <a:t>‹#›</a:t>
-            </a:fld>
-            <a:endParaRPr/>
-          </a:p>
-        </p:txBody>
-      </p:sp>
-      <p:sp>
-        <p:nvSpPr>
-          <p:cNvPr id="102" name="Google Shape;102;p15"/>
-          <p:cNvSpPr txBox="1"/>
-          <p:nvPr/>
-        </p:nvSpPr>
-        <p:spPr>
-          <a:xfrm>
-            <a:off x="582650" y="1076175"/>
-            <a:ext cx="8143200" cy="1108200"/>
-          </a:xfrm>
-          <a:prstGeom prst="rect">
-            <a:avLst/>
-          </a:prstGeom>
-          <a:noFill/>
-          <a:ln>
-            <a:noFill/>
-          </a:ln>
-        </p:spPr>
-        <p:txBody>
-          <a:bodyPr anchorCtr="0" anchor="t" bIns="91425" lIns="91425" spcFirstLastPara="1" rIns="91425" wrap="square" tIns="91425">
-            <a:spAutoFit/>
-          </a:bodyPr>
-          <a:lstStyle/>
-          <a:p>
-            <a:pPr indent="-355600" lvl="0" marL="457200" rtl="0" algn="l">
-              <a:spcBef>
-                <a:spcPts val="0"/>
-              </a:spcBef>
-              <a:spcAft>
-                <a:spcPts val="0"/>
-              </a:spcAft>
-              <a:buSzPts val="2000"/>
-              <a:buChar char="●"/>
-            </a:pPr>
-            <a:r>
-              <a:rPr lang="pt-BR" sz="2000"/>
-              <a:t>Agradeça pessoas, instituições, agências que te paga auxílio, laboratório do seu grupo de pesquisas, enfim, quem ou o que você desejar!</a:t>
-            </a:r>
-            <a:endParaRPr sz="2000"/>
           </a:p>
         </p:txBody>
       </p:sp>
@@ -4452,7 +4383,7 @@
   <p:cSld>
     <p:spTree>
       <p:nvGrpSpPr>
-        <p:cNvPr id="28" name="Shape 28"/>
+        <p:cNvPr id="30" name="Shape 30"/>
         <p:cNvGrpSpPr/>
         <p:nvPr/>
       </p:nvGrpSpPr>
@@ -4466,7 +4397,7 @@
       </p:grpSpPr>
       <p:sp>
         <p:nvSpPr>
-          <p:cNvPr id="29" name="Google Shape;29;p5"/>
+          <p:cNvPr id="31" name="Google Shape;31;p5"/>
           <p:cNvSpPr txBox="1"/>
           <p:nvPr>
             <p:ph type="ctrTitle"/>
@@ -4515,7 +4446,7 @@
       </p:sp>
       <p:sp>
         <p:nvSpPr>
-          <p:cNvPr id="30" name="Google Shape;30;p5"/>
+          <p:cNvPr id="32" name="Google Shape;32;p5"/>
           <p:cNvSpPr txBox="1"/>
           <p:nvPr>
             <p:ph idx="12" type="sldNum"/>
@@ -4555,14 +4486,14 @@
       </p:sp>
       <p:sp>
         <p:nvSpPr>
-          <p:cNvPr id="31" name="Google Shape;31;p5"/>
+          <p:cNvPr id="33" name="Google Shape;33;p5"/>
           <p:cNvSpPr txBox="1"/>
           <p:nvPr/>
         </p:nvSpPr>
         <p:spPr>
           <a:xfrm>
             <a:off x="582650" y="1076175"/>
-            <a:ext cx="8143200" cy="3263100"/>
+            <a:ext cx="8143200" cy="2955300"/>
           </a:xfrm>
           <a:prstGeom prst="rect">
             <a:avLst/>
@@ -4586,13 +4517,24 @@
                 <a:spcPts val="0"/>
               </a:spcAft>
               <a:buSzPts val="2000"/>
+              <a:buFont typeface="Times New Roman"/>
               <a:buChar char="●"/>
             </a:pPr>
             <a:r>
-              <a:rPr lang="pt-BR" sz="2000"/>
+              <a:rPr lang="pt-BR" sz="2000">
+                <a:latin typeface="Times New Roman"/>
+                <a:ea typeface="Times New Roman"/>
+                <a:cs typeface="Times New Roman"/>
+                <a:sym typeface="Times New Roman"/>
+              </a:rPr>
               <a:t>Comunicação</a:t>
             </a:r>
-            <a:endParaRPr sz="2000"/>
+            <a:endParaRPr sz="2000">
+              <a:latin typeface="Times New Roman"/>
+              <a:ea typeface="Times New Roman"/>
+              <a:cs typeface="Times New Roman"/>
+              <a:sym typeface="Times New Roman"/>
+            </a:endParaRPr>
           </a:p>
           <a:p>
             <a:pPr indent="-355600" lvl="1" marL="914400" rtl="0" algn="l">
@@ -4603,13 +4545,24 @@
                 <a:spcPts val="0"/>
               </a:spcAft>
               <a:buSzPts val="2000"/>
+              <a:buFont typeface="Times New Roman"/>
               <a:buChar char="○"/>
             </a:pPr>
             <a:r>
-              <a:rPr lang="pt-BR" sz="2000"/>
+              <a:rPr lang="pt-BR" sz="2000">
+                <a:latin typeface="Times New Roman"/>
+                <a:ea typeface="Times New Roman"/>
+                <a:cs typeface="Times New Roman"/>
+                <a:sym typeface="Times New Roman"/>
+              </a:rPr>
               <a:t>Oral e Escrita</a:t>
             </a:r>
-            <a:endParaRPr sz="2000"/>
+            <a:endParaRPr sz="2000">
+              <a:latin typeface="Times New Roman"/>
+              <a:ea typeface="Times New Roman"/>
+              <a:cs typeface="Times New Roman"/>
+              <a:sym typeface="Times New Roman"/>
+            </a:endParaRPr>
           </a:p>
           <a:p>
             <a:pPr indent="-355600" lvl="1" marL="914400" rtl="0" algn="l">
@@ -4620,13 +4573,24 @@
                 <a:spcPts val="0"/>
               </a:spcAft>
               <a:buSzPts val="2000"/>
+              <a:buFont typeface="Times New Roman"/>
               <a:buChar char="○"/>
             </a:pPr>
             <a:r>
-              <a:rPr lang="pt-BR" sz="2000"/>
+              <a:rPr lang="pt-BR" sz="2000">
+                <a:latin typeface="Times New Roman"/>
+                <a:ea typeface="Times New Roman"/>
+                <a:cs typeface="Times New Roman"/>
+                <a:sym typeface="Times New Roman"/>
+              </a:rPr>
               <a:t>Linguagem de Sinal</a:t>
             </a:r>
-            <a:endParaRPr sz="2000"/>
+            <a:endParaRPr sz="2000">
+              <a:latin typeface="Times New Roman"/>
+              <a:ea typeface="Times New Roman"/>
+              <a:cs typeface="Times New Roman"/>
+              <a:sym typeface="Times New Roman"/>
+            </a:endParaRPr>
           </a:p>
           <a:p>
             <a:pPr indent="-355600" lvl="0" marL="457200" rtl="0" algn="l">
@@ -4640,6 +4604,7 @@
                 <a:schemeClr val="dk1"/>
               </a:buClr>
               <a:buSzPts val="2000"/>
+              <a:buFont typeface="Times New Roman"/>
               <a:buChar char="●"/>
             </a:pPr>
             <a:r>
@@ -4647,6 +4612,10 @@
                 <a:solidFill>
                   <a:schemeClr val="dk1"/>
                 </a:solidFill>
+                <a:latin typeface="Times New Roman"/>
+                <a:ea typeface="Times New Roman"/>
+                <a:cs typeface="Times New Roman"/>
+                <a:sym typeface="Times New Roman"/>
               </a:rPr>
               <a:t>OMS</a:t>
             </a:r>
@@ -4654,6 +4623,10 @@
               <a:solidFill>
                 <a:schemeClr val="dk1"/>
               </a:solidFill>
+              <a:latin typeface="Times New Roman"/>
+              <a:ea typeface="Times New Roman"/>
+              <a:cs typeface="Times New Roman"/>
+              <a:sym typeface="Times New Roman"/>
             </a:endParaRPr>
           </a:p>
           <a:p>
@@ -4668,6 +4641,7 @@
                 <a:schemeClr val="dk1"/>
               </a:buClr>
               <a:buSzPts val="2000"/>
+              <a:buFont typeface="Times New Roman"/>
               <a:buChar char="○"/>
             </a:pPr>
             <a:r>
@@ -4675,6 +4649,10 @@
                 <a:solidFill>
                   <a:schemeClr val="dk1"/>
                 </a:solidFill>
+                <a:latin typeface="Times New Roman"/>
+                <a:ea typeface="Times New Roman"/>
+                <a:cs typeface="Times New Roman"/>
+                <a:sym typeface="Times New Roman"/>
               </a:rPr>
               <a:t>1,5 bilhão de pessoas no mundo possuem algum grau de surdez</a:t>
             </a:r>
@@ -4682,6 +4660,10 @@
               <a:solidFill>
                 <a:schemeClr val="dk1"/>
               </a:solidFill>
+              <a:latin typeface="Times New Roman"/>
+              <a:ea typeface="Times New Roman"/>
+              <a:cs typeface="Times New Roman"/>
+              <a:sym typeface="Times New Roman"/>
             </a:endParaRPr>
           </a:p>
           <a:p>
@@ -4696,6 +4678,7 @@
                 <a:schemeClr val="dk1"/>
               </a:buClr>
               <a:buSzPts val="2000"/>
+              <a:buFont typeface="Times New Roman"/>
               <a:buChar char="●"/>
             </a:pPr>
             <a:r>
@@ -4703,6 +4686,10 @@
                 <a:solidFill>
                   <a:schemeClr val="dk1"/>
                 </a:solidFill>
+                <a:latin typeface="Times New Roman"/>
+                <a:ea typeface="Times New Roman"/>
+                <a:cs typeface="Times New Roman"/>
+                <a:sym typeface="Times New Roman"/>
               </a:rPr>
               <a:t>IBGE</a:t>
             </a:r>
@@ -4710,6 +4697,10 @@
               <a:solidFill>
                 <a:schemeClr val="dk1"/>
               </a:solidFill>
+              <a:latin typeface="Times New Roman"/>
+              <a:ea typeface="Times New Roman"/>
+              <a:cs typeface="Times New Roman"/>
+              <a:sym typeface="Times New Roman"/>
             </a:endParaRPr>
           </a:p>
           <a:p>
@@ -4724,6 +4715,7 @@
                 <a:schemeClr val="dk1"/>
               </a:buClr>
               <a:buSzPts val="2000"/>
+              <a:buFont typeface="Times New Roman"/>
               <a:buChar char="○"/>
             </a:pPr>
             <a:r>
@@ -4731,6 +4723,10 @@
                 <a:solidFill>
                   <a:schemeClr val="dk1"/>
                 </a:solidFill>
+                <a:latin typeface="Times New Roman"/>
+                <a:ea typeface="Times New Roman"/>
+                <a:cs typeface="Times New Roman"/>
+                <a:sym typeface="Times New Roman"/>
               </a:rPr>
               <a:t>2,3 milhões de pessoas com algum grau de surdez</a:t>
             </a:r>
@@ -4738,6 +4734,10 @@
               <a:solidFill>
                 <a:schemeClr val="dk1"/>
               </a:solidFill>
+              <a:latin typeface="Times New Roman"/>
+              <a:ea typeface="Times New Roman"/>
+              <a:cs typeface="Times New Roman"/>
+              <a:sym typeface="Times New Roman"/>
             </a:endParaRPr>
           </a:p>
           <a:p>
@@ -4752,6 +4752,7 @@
                 <a:schemeClr val="dk1"/>
               </a:buClr>
               <a:buSzPts val="2000"/>
+              <a:buFont typeface="Times New Roman"/>
               <a:buChar char="●"/>
             </a:pPr>
             <a:r>
@@ -4759,6 +4760,10 @@
                 <a:solidFill>
                   <a:schemeClr val="dk1"/>
                 </a:solidFill>
+                <a:latin typeface="Times New Roman"/>
+                <a:ea typeface="Times New Roman"/>
+                <a:cs typeface="Times New Roman"/>
+                <a:sym typeface="Times New Roman"/>
               </a:rPr>
               <a:t>Internet</a:t>
             </a:r>
@@ -4766,6 +4771,10 @@
               <a:solidFill>
                 <a:schemeClr val="dk1"/>
               </a:solidFill>
+              <a:latin typeface="Times New Roman"/>
+              <a:ea typeface="Times New Roman"/>
+              <a:cs typeface="Times New Roman"/>
+              <a:sym typeface="Times New Roman"/>
             </a:endParaRPr>
           </a:p>
           <a:p>
@@ -4780,6 +4789,7 @@
                 <a:schemeClr val="dk1"/>
               </a:buClr>
               <a:buSzPts val="2000"/>
+              <a:buFont typeface="Times New Roman"/>
               <a:buChar char="○"/>
             </a:pPr>
             <a:r>
@@ -4787,10 +4797,19 @@
                 <a:solidFill>
                   <a:schemeClr val="dk1"/>
                 </a:solidFill>
+                <a:latin typeface="Times New Roman"/>
+                <a:ea typeface="Times New Roman"/>
+                <a:cs typeface="Times New Roman"/>
+                <a:sym typeface="Times New Roman"/>
               </a:rPr>
               <a:t>Falta de acessibilidade</a:t>
             </a:r>
-            <a:endParaRPr sz="2000"/>
+            <a:endParaRPr sz="2000">
+              <a:latin typeface="Times New Roman"/>
+              <a:ea typeface="Times New Roman"/>
+              <a:cs typeface="Times New Roman"/>
+              <a:sym typeface="Times New Roman"/>
+            </a:endParaRPr>
           </a:p>
         </p:txBody>
       </p:sp>
@@ -4807,7 +4826,7 @@
   <p:cSld>
     <p:spTree>
       <p:nvGrpSpPr>
-        <p:cNvPr id="35" name="Shape 35"/>
+        <p:cNvPr id="37" name="Shape 37"/>
         <p:cNvGrpSpPr/>
         <p:nvPr/>
       </p:nvGrpSpPr>
@@ -4821,7 +4840,7 @@
       </p:grpSpPr>
       <p:sp>
         <p:nvSpPr>
-          <p:cNvPr id="36" name="Google Shape;36;p6"/>
+          <p:cNvPr id="38" name="Google Shape;38;p6"/>
           <p:cNvSpPr txBox="1"/>
           <p:nvPr>
             <p:ph type="ctrTitle"/>
@@ -4870,7 +4889,7 @@
       </p:sp>
       <p:sp>
         <p:nvSpPr>
-          <p:cNvPr id="37" name="Google Shape;37;p6"/>
+          <p:cNvPr id="39" name="Google Shape;39;p6"/>
           <p:cNvSpPr txBox="1"/>
           <p:nvPr>
             <p:ph idx="12" type="sldNum"/>
@@ -4910,7 +4929,7 @@
       </p:sp>
       <p:sp>
         <p:nvSpPr>
-          <p:cNvPr id="38" name="Google Shape;38;p6"/>
+          <p:cNvPr id="40" name="Google Shape;40;p6"/>
           <p:cNvSpPr txBox="1"/>
           <p:nvPr/>
         </p:nvSpPr>
@@ -4941,13 +4960,24 @@
                 <a:spcPts val="0"/>
               </a:spcAft>
               <a:buSzPts val="2000"/>
+              <a:buFont typeface="Times New Roman"/>
               <a:buChar char="●"/>
             </a:pPr>
             <a:r>
-              <a:rPr lang="pt-BR" sz="2000"/>
+              <a:rPr lang="pt-BR" sz="2000">
+                <a:latin typeface="Times New Roman"/>
+                <a:ea typeface="Times New Roman"/>
+                <a:cs typeface="Times New Roman"/>
+                <a:sym typeface="Times New Roman"/>
+              </a:rPr>
               <a:t>Acessibilidade é um direito básico</a:t>
             </a:r>
-            <a:endParaRPr sz="2000"/>
+            <a:endParaRPr sz="2000">
+              <a:latin typeface="Times New Roman"/>
+              <a:ea typeface="Times New Roman"/>
+              <a:cs typeface="Times New Roman"/>
+              <a:sym typeface="Times New Roman"/>
+            </a:endParaRPr>
           </a:p>
           <a:p>
             <a:pPr indent="-355600" lvl="0" marL="457200" rtl="0" algn="l">
@@ -4961,6 +4991,7 @@
                 <a:schemeClr val="dk1"/>
               </a:buClr>
               <a:buSzPts val="2000"/>
+              <a:buFont typeface="Times New Roman"/>
               <a:buChar char="●"/>
             </a:pPr>
             <a:r>
@@ -4968,6 +4999,10 @@
                 <a:solidFill>
                   <a:schemeClr val="dk1"/>
                 </a:solidFill>
+                <a:latin typeface="Times New Roman"/>
+                <a:ea typeface="Times New Roman"/>
+                <a:cs typeface="Times New Roman"/>
+                <a:sym typeface="Times New Roman"/>
               </a:rPr>
               <a:t>Estimular o aprendizado e a inclusão da Libras</a:t>
             </a:r>
@@ -4975,6 +5010,10 @@
               <a:solidFill>
                 <a:schemeClr val="dk1"/>
               </a:solidFill>
+              <a:latin typeface="Times New Roman"/>
+              <a:ea typeface="Times New Roman"/>
+              <a:cs typeface="Times New Roman"/>
+              <a:sym typeface="Times New Roman"/>
             </a:endParaRPr>
           </a:p>
           <a:p>
@@ -4989,6 +5028,7 @@
                 <a:schemeClr val="dk1"/>
               </a:buClr>
               <a:buSzPts val="2000"/>
+              <a:buFont typeface="Times New Roman"/>
               <a:buChar char="●"/>
             </a:pPr>
             <a:r>
@@ -4996,6 +5036,10 @@
                 <a:solidFill>
                   <a:schemeClr val="dk1"/>
                 </a:solidFill>
+                <a:latin typeface="Times New Roman"/>
+                <a:ea typeface="Times New Roman"/>
+                <a:cs typeface="Times New Roman"/>
+                <a:sym typeface="Times New Roman"/>
               </a:rPr>
               <a:t>F</a:t>
             </a:r>
@@ -5004,10 +5048,19 @@
                 <a:solidFill>
                   <a:schemeClr val="dk1"/>
                 </a:solidFill>
+                <a:latin typeface="Times New Roman"/>
+                <a:ea typeface="Times New Roman"/>
+                <a:cs typeface="Times New Roman"/>
+                <a:sym typeface="Times New Roman"/>
               </a:rPr>
               <a:t>uturo mais inclusivo</a:t>
             </a:r>
-            <a:endParaRPr sz="2000"/>
+            <a:endParaRPr sz="2000">
+              <a:latin typeface="Times New Roman"/>
+              <a:ea typeface="Times New Roman"/>
+              <a:cs typeface="Times New Roman"/>
+              <a:sym typeface="Times New Roman"/>
+            </a:endParaRPr>
           </a:p>
         </p:txBody>
       </p:sp>
@@ -5024,7 +5077,7 @@
   <p:cSld>
     <p:spTree>
       <p:nvGrpSpPr>
-        <p:cNvPr id="42" name="Shape 42"/>
+        <p:cNvPr id="44" name="Shape 44"/>
         <p:cNvGrpSpPr/>
         <p:nvPr/>
       </p:nvGrpSpPr>
@@ -5038,7 +5091,7 @@
       </p:grpSpPr>
       <p:sp>
         <p:nvSpPr>
-          <p:cNvPr id="43" name="Google Shape;43;p7"/>
+          <p:cNvPr id="45" name="Google Shape;45;p7"/>
           <p:cNvSpPr txBox="1"/>
           <p:nvPr>
             <p:ph type="ctrTitle"/>
@@ -5087,7 +5140,7 @@
       </p:sp>
       <p:sp>
         <p:nvSpPr>
-          <p:cNvPr id="44" name="Google Shape;44;p7"/>
+          <p:cNvPr id="46" name="Google Shape;46;p7"/>
           <p:cNvSpPr txBox="1"/>
           <p:nvPr>
             <p:ph idx="12" type="sldNum"/>
@@ -5127,14 +5180,14 @@
       </p:sp>
       <p:sp>
         <p:nvSpPr>
-          <p:cNvPr id="45" name="Google Shape;45;p7"/>
+          <p:cNvPr id="47" name="Google Shape;47;p7"/>
           <p:cNvSpPr txBox="1"/>
           <p:nvPr/>
         </p:nvSpPr>
         <p:spPr>
           <a:xfrm>
             <a:off x="582650" y="1076175"/>
-            <a:ext cx="8143200" cy="800400"/>
+            <a:ext cx="8143200" cy="1416000"/>
           </a:xfrm>
           <a:prstGeom prst="rect">
             <a:avLst/>
@@ -5158,13 +5211,52 @@
                 <a:spcPts val="0"/>
               </a:spcAft>
               <a:buSzPts val="2000"/>
+              <a:buFont typeface="Times New Roman"/>
               <a:buChar char="●"/>
             </a:pPr>
             <a:r>
-              <a:rPr lang="pt-BR" sz="2000"/>
-              <a:t>Desenvolver um sistema que receba uma transmissão em vídeo e seja capaz de transformar sinais da Libras em áudio</a:t>
+              <a:rPr lang="pt-BR" sz="2000">
+                <a:latin typeface="Times New Roman"/>
+                <a:ea typeface="Times New Roman"/>
+                <a:cs typeface="Times New Roman"/>
+                <a:sym typeface="Times New Roman"/>
+              </a:rPr>
+              <a:t>Desenvolver um sistema que receba sinais da Libras por vídeo e faça a conversão para o áudio correspondente.</a:t>
             </a:r>
-            <a:endParaRPr sz="2000"/>
+            <a:endParaRPr sz="2000">
+              <a:latin typeface="Times New Roman"/>
+              <a:ea typeface="Times New Roman"/>
+              <a:cs typeface="Times New Roman"/>
+              <a:sym typeface="Times New Roman"/>
+            </a:endParaRPr>
+          </a:p>
+          <a:p>
+            <a:pPr indent="-355600" lvl="0" marL="457200" rtl="0" algn="l">
+              <a:spcBef>
+                <a:spcPts val="0"/>
+              </a:spcBef>
+              <a:spcAft>
+                <a:spcPts val="0"/>
+              </a:spcAft>
+              <a:buSzPts val="2000"/>
+              <a:buFont typeface="Times New Roman"/>
+              <a:buChar char="●"/>
+            </a:pPr>
+            <a:r>
+              <a:rPr lang="pt-BR" sz="2000">
+                <a:latin typeface="Times New Roman"/>
+                <a:ea typeface="Times New Roman"/>
+                <a:cs typeface="Times New Roman"/>
+                <a:sym typeface="Times New Roman"/>
+              </a:rPr>
+              <a:t>Contribuir para trazer o foco dos estudos da área de machine learning para um lado extremamente inclusivo.</a:t>
+            </a:r>
+            <a:endParaRPr sz="2000">
+              <a:latin typeface="Times New Roman"/>
+              <a:ea typeface="Times New Roman"/>
+              <a:cs typeface="Times New Roman"/>
+              <a:sym typeface="Times New Roman"/>
+            </a:endParaRPr>
           </a:p>
         </p:txBody>
       </p:sp>
@@ -5181,7 +5273,7 @@
   <p:cSld>
     <p:spTree>
       <p:nvGrpSpPr>
-        <p:cNvPr id="49" name="Shape 49"/>
+        <p:cNvPr id="51" name="Shape 51"/>
         <p:cNvGrpSpPr/>
         <p:nvPr/>
       </p:nvGrpSpPr>
@@ -5195,7 +5287,7 @@
       </p:grpSpPr>
       <p:sp>
         <p:nvSpPr>
-          <p:cNvPr id="50" name="Google Shape;50;p8"/>
+          <p:cNvPr id="52" name="Google Shape;52;p8"/>
           <p:cNvSpPr txBox="1"/>
           <p:nvPr>
             <p:ph type="ctrTitle"/>
@@ -5244,7 +5336,7 @@
       </p:sp>
       <p:sp>
         <p:nvSpPr>
-          <p:cNvPr id="51" name="Google Shape;51;p8"/>
+          <p:cNvPr id="53" name="Google Shape;53;p8"/>
           <p:cNvSpPr txBox="1"/>
           <p:nvPr>
             <p:ph idx="12" type="sldNum"/>
@@ -5284,7 +5376,7 @@
       </p:sp>
       <p:sp>
         <p:nvSpPr>
-          <p:cNvPr id="52" name="Google Shape;52;p8"/>
+          <p:cNvPr id="54" name="Google Shape;54;p8"/>
           <p:cNvSpPr txBox="1"/>
           <p:nvPr/>
         </p:nvSpPr>
@@ -5315,13 +5407,24 @@
                 <a:spcPts val="0"/>
               </a:spcAft>
               <a:buSzPts val="2000"/>
+              <a:buFont typeface="Times New Roman"/>
               <a:buChar char="●"/>
             </a:pPr>
             <a:r>
-              <a:rPr lang="pt-BR" sz="2000"/>
+              <a:rPr lang="pt-BR" sz="2000">
+                <a:latin typeface="Times New Roman"/>
+                <a:ea typeface="Times New Roman"/>
+                <a:cs typeface="Times New Roman"/>
+                <a:sym typeface="Times New Roman"/>
+              </a:rPr>
               <a:t>Colocar uma imagem bonita e legível de seu pipeline/diagrama;</a:t>
             </a:r>
-            <a:endParaRPr sz="2000"/>
+            <a:endParaRPr sz="2000">
+              <a:latin typeface="Times New Roman"/>
+              <a:ea typeface="Times New Roman"/>
+              <a:cs typeface="Times New Roman"/>
+              <a:sym typeface="Times New Roman"/>
+            </a:endParaRPr>
           </a:p>
           <a:p>
             <a:pPr indent="-355600" lvl="0" marL="457200" rtl="0" algn="l">
@@ -5332,13 +5435,24 @@
                 <a:spcPts val="0"/>
               </a:spcAft>
               <a:buSzPts val="2000"/>
+              <a:buFont typeface="Times New Roman"/>
               <a:buChar char="●"/>
             </a:pPr>
             <a:r>
-              <a:rPr lang="pt-BR" sz="2000"/>
+              <a:rPr lang="pt-BR" sz="2000">
+                <a:latin typeface="Times New Roman"/>
+                <a:ea typeface="Times New Roman"/>
+                <a:cs typeface="Times New Roman"/>
+                <a:sym typeface="Times New Roman"/>
+              </a:rPr>
               <a:t>Explicar o funcionamento de cada etapa e como cada parte foi trabalhada e as tecnologias adotadas;</a:t>
             </a:r>
-            <a:endParaRPr sz="2000"/>
+            <a:endParaRPr sz="2000">
+              <a:latin typeface="Times New Roman"/>
+              <a:ea typeface="Times New Roman"/>
+              <a:cs typeface="Times New Roman"/>
+              <a:sym typeface="Times New Roman"/>
+            </a:endParaRPr>
           </a:p>
           <a:p>
             <a:pPr indent="-355600" lvl="0" marL="457200" rtl="0" algn="l">
@@ -5349,19 +5463,30 @@
                 <a:spcPts val="0"/>
               </a:spcAft>
               <a:buSzPts val="2000"/>
+              <a:buFont typeface="Times New Roman"/>
               <a:buChar char="●"/>
             </a:pPr>
             <a:r>
-              <a:rPr lang="pt-BR" sz="2000"/>
+              <a:rPr lang="pt-BR" sz="2000">
+                <a:latin typeface="Times New Roman"/>
+                <a:ea typeface="Times New Roman"/>
+                <a:cs typeface="Times New Roman"/>
+                <a:sym typeface="Times New Roman"/>
+              </a:rPr>
               <a:t>Use animação com setas e outros recursos para situar a platéia onde se está explicando no momento;</a:t>
             </a:r>
-            <a:endParaRPr sz="2000"/>
+            <a:endParaRPr sz="2000">
+              <a:latin typeface="Times New Roman"/>
+              <a:ea typeface="Times New Roman"/>
+              <a:cs typeface="Times New Roman"/>
+              <a:sym typeface="Times New Roman"/>
+            </a:endParaRPr>
           </a:p>
         </p:txBody>
       </p:sp>
       <p:pic>
         <p:nvPicPr>
-          <p:cNvPr id="53" name="Google Shape;53;p8"/>
+          <p:cNvPr id="55" name="Google Shape;55;p8"/>
           <p:cNvPicPr preferRelativeResize="0"/>
           <p:nvPr/>
         </p:nvPicPr>
@@ -5375,8 +5500,63 @@
         </p:blipFill>
         <p:spPr>
           <a:xfrm>
-            <a:off x="1960050" y="2973525"/>
-            <a:ext cx="2718300" cy="2038725"/>
+            <a:off x="951575" y="2983675"/>
+            <a:ext cx="1774374" cy="1330775"/>
+          </a:xfrm>
+          <a:prstGeom prst="rect">
+            <a:avLst/>
+          </a:prstGeom>
+          <a:noFill/>
+          <a:ln>
+            <a:noFill/>
+          </a:ln>
+        </p:spPr>
+      </p:pic>
+      <p:pic>
+        <p:nvPicPr>
+          <p:cNvPr id="56" name="Google Shape;56;p8"/>
+          <p:cNvPicPr preferRelativeResize="0"/>
+          <p:nvPr/>
+        </p:nvPicPr>
+        <p:blipFill>
+          <a:blip r:embed="rId4">
+            <a:alphaModFix/>
+          </a:blip>
+          <a:stretch>
+            <a:fillRect/>
+          </a:stretch>
+        </p:blipFill>
+        <p:spPr>
+          <a:xfrm>
+            <a:off x="3469825" y="2983675"/>
+            <a:ext cx="1330775" cy="1330775"/>
+          </a:xfrm>
+          <a:prstGeom prst="rect">
+            <a:avLst/>
+          </a:prstGeom>
+          <a:noFill/>
+          <a:ln>
+            <a:noFill/>
+          </a:ln>
+        </p:spPr>
+      </p:pic>
+      <p:pic>
+        <p:nvPicPr>
+          <p:cNvPr id="57" name="Google Shape;57;p8"/>
+          <p:cNvPicPr preferRelativeResize="0"/>
+          <p:nvPr/>
+        </p:nvPicPr>
+        <p:blipFill rotWithShape="1">
+          <a:blip r:embed="rId5">
+            <a:alphaModFix/>
+          </a:blip>
+          <a:srcRect b="0" l="0" r="0" t="11863"/>
+          <a:stretch/>
+        </p:blipFill>
+        <p:spPr>
+          <a:xfrm>
+            <a:off x="5544475" y="3296463"/>
+            <a:ext cx="2686050" cy="705200"/>
           </a:xfrm>
           <a:prstGeom prst="rect">
             <a:avLst/>
@@ -5400,7 +5580,7 @@
   <p:cSld>
     <p:spTree>
       <p:nvGrpSpPr>
-        <p:cNvPr id="57" name="Shape 57"/>
+        <p:cNvPr id="61" name="Shape 61"/>
         <p:cNvGrpSpPr/>
         <p:nvPr/>
       </p:nvGrpSpPr>
@@ -5414,7 +5594,7 @@
       </p:grpSpPr>
       <p:sp>
         <p:nvSpPr>
-          <p:cNvPr id="58" name="Google Shape;58;p9"/>
+          <p:cNvPr id="62" name="Google Shape;62;p9"/>
           <p:cNvSpPr txBox="1"/>
           <p:nvPr>
             <p:ph type="ctrTitle"/>
@@ -5463,7 +5643,7 @@
       </p:sp>
       <p:sp>
         <p:nvSpPr>
-          <p:cNvPr id="59" name="Google Shape;59;p9"/>
+          <p:cNvPr id="63" name="Google Shape;63;p9"/>
           <p:cNvSpPr txBox="1"/>
           <p:nvPr>
             <p:ph idx="12" type="sldNum"/>
@@ -5503,7 +5683,7 @@
       </p:sp>
       <p:pic>
         <p:nvPicPr>
-          <p:cNvPr id="60" name="Google Shape;60;p9"/>
+          <p:cNvPr id="64" name="Google Shape;64;p9"/>
           <p:cNvPicPr preferRelativeResize="0"/>
           <p:nvPr/>
         </p:nvPicPr>
@@ -5542,7 +5722,7 @@
   <p:cSld>
     <p:spTree>
       <p:nvGrpSpPr>
-        <p:cNvPr id="64" name="Shape 64"/>
+        <p:cNvPr id="68" name="Shape 68"/>
         <p:cNvGrpSpPr/>
         <p:nvPr/>
       </p:nvGrpSpPr>
@@ -5556,7 +5736,7 @@
       </p:grpSpPr>
       <p:sp>
         <p:nvSpPr>
-          <p:cNvPr id="65" name="Google Shape;65;p10"/>
+          <p:cNvPr id="69" name="Google Shape;69;p10"/>
           <p:cNvSpPr txBox="1"/>
           <p:nvPr>
             <p:ph type="ctrTitle"/>
@@ -5605,7 +5785,7 @@
       </p:sp>
       <p:sp>
         <p:nvSpPr>
-          <p:cNvPr id="66" name="Google Shape;66;p10"/>
+          <p:cNvPr id="70" name="Google Shape;70;p10"/>
           <p:cNvSpPr txBox="1"/>
           <p:nvPr>
             <p:ph idx="12" type="sldNum"/>
@@ -5645,14 +5825,14 @@
       </p:sp>
       <p:sp>
         <p:nvSpPr>
-          <p:cNvPr id="67" name="Google Shape;67;p10"/>
+          <p:cNvPr id="71" name="Google Shape;71;p10"/>
           <p:cNvSpPr txBox="1"/>
           <p:nvPr/>
         </p:nvSpPr>
         <p:spPr>
           <a:xfrm>
             <a:off x="582650" y="1076175"/>
-            <a:ext cx="8143200" cy="3570900"/>
+            <a:ext cx="8143200" cy="2955300"/>
           </a:xfrm>
           <a:prstGeom prst="rect">
             <a:avLst/>
@@ -5676,13 +5856,24 @@
                 <a:spcPts val="0"/>
               </a:spcAft>
               <a:buSzPts val="2000"/>
+              <a:buFont typeface="Times New Roman"/>
               <a:buChar char="●"/>
             </a:pPr>
             <a:r>
-              <a:rPr lang="pt-BR" sz="2000"/>
+              <a:rPr lang="pt-BR" sz="2000">
+                <a:latin typeface="Times New Roman"/>
+                <a:ea typeface="Times New Roman"/>
+                <a:cs typeface="Times New Roman"/>
+                <a:sym typeface="Times New Roman"/>
+              </a:rPr>
               <a:t>Dataset: O conjunto de dados utilizado é chamado de "Libras_Dataset" e está organizado em seis pastas chamadas "Fold1", "Fold2", "Fold3", "Fold4", "Fold5" e "Fold6". Cada pasta contém imagens de diferentes classes, incluindo números, letras e palavras em Libras.</a:t>
             </a:r>
-            <a:endParaRPr sz="2000"/>
+            <a:endParaRPr sz="2000">
+              <a:latin typeface="Times New Roman"/>
+              <a:ea typeface="Times New Roman"/>
+              <a:cs typeface="Times New Roman"/>
+              <a:sym typeface="Times New Roman"/>
+            </a:endParaRPr>
           </a:p>
           <a:p>
             <a:pPr indent="-355600" lvl="0" marL="457200" rtl="0" algn="l">
@@ -5693,13 +5884,24 @@
                 <a:spcPts val="0"/>
               </a:spcAft>
               <a:buSzPts val="2000"/>
+              <a:buFont typeface="Times New Roman"/>
               <a:buChar char="●"/>
             </a:pPr>
             <a:r>
-              <a:rPr lang="pt-BR" sz="2000"/>
+              <a:rPr lang="pt-BR" sz="2000">
+                <a:latin typeface="Times New Roman"/>
+                <a:ea typeface="Times New Roman"/>
+                <a:cs typeface="Times New Roman"/>
+                <a:sym typeface="Times New Roman"/>
+              </a:rPr>
               <a:t>Pré-processamento: As imagens são redimensionadas para as dimensões de entrada da rede neural convolucional (50x50). Além disso, é aplicada normalização nos valores dos pixels, dividindo-os por 255.</a:t>
             </a:r>
-            <a:endParaRPr sz="2000"/>
+            <a:endParaRPr sz="2000">
+              <a:latin typeface="Times New Roman"/>
+              <a:ea typeface="Times New Roman"/>
+              <a:cs typeface="Times New Roman"/>
+              <a:sym typeface="Times New Roman"/>
+            </a:endParaRPr>
           </a:p>
           <a:p>
             <a:pPr indent="-355600" lvl="0" marL="457200" rtl="0" algn="l">
@@ -5710,13 +5912,24 @@
                 <a:spcPts val="0"/>
               </a:spcAft>
               <a:buSzPts val="2000"/>
+              <a:buFont typeface="Times New Roman"/>
               <a:buChar char="●"/>
             </a:pPr>
             <a:r>
-              <a:rPr lang="pt-BR" sz="2000"/>
+              <a:rPr lang="pt-BR" sz="2000">
+                <a:latin typeface="Times New Roman"/>
+                <a:ea typeface="Times New Roman"/>
+                <a:cs typeface="Times New Roman"/>
+                <a:sym typeface="Times New Roman"/>
+              </a:rPr>
               <a:t>Modelo de Rede Neural Convolucional: O modelo utilizado é uma rede neural convolucional (CNN)</a:t>
             </a:r>
-            <a:endParaRPr sz="2000"/>
+            <a:endParaRPr sz="2000">
+              <a:latin typeface="Times New Roman"/>
+              <a:ea typeface="Times New Roman"/>
+              <a:cs typeface="Times New Roman"/>
+              <a:sym typeface="Times New Roman"/>
+            </a:endParaRPr>
           </a:p>
         </p:txBody>
       </p:sp>
@@ -5733,7 +5946,7 @@
   <p:cSld>
     <p:spTree>
       <p:nvGrpSpPr>
-        <p:cNvPr id="71" name="Shape 71"/>
+        <p:cNvPr id="75" name="Shape 75"/>
         <p:cNvGrpSpPr/>
         <p:nvPr/>
       </p:nvGrpSpPr>
@@ -5747,7 +5960,7 @@
       </p:grpSpPr>
       <p:sp>
         <p:nvSpPr>
-          <p:cNvPr id="72" name="Google Shape;72;p11"/>
+          <p:cNvPr id="76" name="Google Shape;76;p11"/>
           <p:cNvSpPr txBox="1"/>
           <p:nvPr>
             <p:ph type="ctrTitle"/>
@@ -5796,7 +6009,7 @@
       </p:sp>
       <p:sp>
         <p:nvSpPr>
-          <p:cNvPr id="73" name="Google Shape;73;p11"/>
+          <p:cNvPr id="77" name="Google Shape;77;p11"/>
           <p:cNvSpPr txBox="1"/>
           <p:nvPr>
             <p:ph idx="12" type="sldNum"/>
@@ -5836,14 +6049,14 @@
       </p:sp>
       <p:sp>
         <p:nvSpPr>
-          <p:cNvPr id="74" name="Google Shape;74;p11"/>
+          <p:cNvPr id="78" name="Google Shape;78;p11"/>
           <p:cNvSpPr txBox="1"/>
           <p:nvPr/>
         </p:nvSpPr>
         <p:spPr>
           <a:xfrm>
             <a:off x="582650" y="1076175"/>
-            <a:ext cx="8143200" cy="3263100"/>
+            <a:ext cx="8143200" cy="2955300"/>
           </a:xfrm>
           <a:prstGeom prst="rect">
             <a:avLst/>
@@ -5867,13 +6080,24 @@
                 <a:spcPts val="0"/>
               </a:spcAft>
               <a:buSzPts val="2000"/>
+              <a:buFont typeface="Times New Roman"/>
               <a:buChar char="●"/>
             </a:pPr>
             <a:r>
-              <a:rPr lang="pt-BR" sz="2000"/>
+              <a:rPr lang="pt-BR" sz="2000">
+                <a:latin typeface="Times New Roman"/>
+                <a:ea typeface="Times New Roman"/>
+                <a:cs typeface="Times New Roman"/>
+                <a:sym typeface="Times New Roman"/>
+              </a:rPr>
               <a:t>Treinamento: O modelo é treinado usando o otimizador Adam e a função de perda categorical_crossentropy. As imagens de treinamento são fornecidas ao modelo em lotes (batch_size) durante um número de épocas especificado (epoch).</a:t>
             </a:r>
-            <a:endParaRPr sz="2000"/>
+            <a:endParaRPr sz="2000">
+              <a:latin typeface="Times New Roman"/>
+              <a:ea typeface="Times New Roman"/>
+              <a:cs typeface="Times New Roman"/>
+              <a:sym typeface="Times New Roman"/>
+            </a:endParaRPr>
           </a:p>
           <a:p>
             <a:pPr indent="-355600" lvl="0" marL="457200" rtl="0" algn="l">
@@ -5884,13 +6108,24 @@
                 <a:spcPts val="0"/>
               </a:spcAft>
               <a:buSzPts val="2000"/>
+              <a:buFont typeface="Times New Roman"/>
               <a:buChar char="●"/>
             </a:pPr>
             <a:r>
-              <a:rPr lang="pt-BR" sz="2000"/>
+              <a:rPr lang="pt-BR" sz="2000">
+                <a:latin typeface="Times New Roman"/>
+                <a:ea typeface="Times New Roman"/>
+                <a:cs typeface="Times New Roman"/>
+                <a:sym typeface="Times New Roman"/>
+              </a:rPr>
               <a:t>Validação Cruzada: É realizada a validação cruzada estratificada com 5 folds (StratifiedKFold) para avaliar o desempenho do modelo. Para cada fold, as imagens de validação correspondentes são movidas da pasta de treinamento para a pasta de validação. O restante do treinamento e a avaliação são executados normalmente.</a:t>
             </a:r>
-            <a:endParaRPr sz="2000"/>
+            <a:endParaRPr sz="2000">
+              <a:latin typeface="Times New Roman"/>
+              <a:ea typeface="Times New Roman"/>
+              <a:cs typeface="Times New Roman"/>
+              <a:sym typeface="Times New Roman"/>
+            </a:endParaRPr>
           </a:p>
         </p:txBody>
       </p:sp>
@@ -5907,7 +6142,7 @@
   <p:cSld>
     <p:spTree>
       <p:nvGrpSpPr>
-        <p:cNvPr id="78" name="Shape 78"/>
+        <p:cNvPr id="82" name="Shape 82"/>
         <p:cNvGrpSpPr/>
         <p:nvPr/>
       </p:nvGrpSpPr>
@@ -5921,7 +6156,7 @@
       </p:grpSpPr>
       <p:sp>
         <p:nvSpPr>
-          <p:cNvPr id="79" name="Google Shape;79;p12"/>
+          <p:cNvPr id="83" name="Google Shape;83;p12"/>
           <p:cNvSpPr txBox="1"/>
           <p:nvPr>
             <p:ph type="ctrTitle"/>
@@ -5970,7 +6205,7 @@
       </p:sp>
       <p:sp>
         <p:nvSpPr>
-          <p:cNvPr id="80" name="Google Shape;80;p12"/>
+          <p:cNvPr id="84" name="Google Shape;84;p12"/>
           <p:cNvSpPr txBox="1"/>
           <p:nvPr>
             <p:ph idx="12" type="sldNum"/>
@@ -6010,7 +6245,7 @@
       </p:sp>
       <p:sp>
         <p:nvSpPr>
-          <p:cNvPr id="81" name="Google Shape;81;p12"/>
+          <p:cNvPr id="85" name="Google Shape;85;p12"/>
           <p:cNvSpPr txBox="1"/>
           <p:nvPr/>
         </p:nvSpPr>
@@ -6041,13 +6276,24 @@
                 <a:spcPts val="0"/>
               </a:spcAft>
               <a:buSzPts val="2000"/>
+              <a:buFont typeface="Times New Roman"/>
               <a:buChar char="●"/>
             </a:pPr>
             <a:r>
-              <a:rPr lang="pt-BR" sz="2000"/>
+              <a:rPr lang="pt-BR" sz="2000">
+                <a:latin typeface="Times New Roman"/>
+                <a:ea typeface="Times New Roman"/>
+                <a:cs typeface="Times New Roman"/>
+                <a:sym typeface="Times New Roman"/>
+              </a:rPr>
               <a:t>Métricas de Avaliação: Durante o treinamento e a validação, são calculadas as métricas de acurácia, precisão (weighted) e pontuação F1 (weighted) do modelo usando as funções my_metrics, accuracy_score, precision_score e f1_score.</a:t>
             </a:r>
-            <a:endParaRPr sz="2000"/>
+            <a:endParaRPr sz="2000">
+              <a:latin typeface="Times New Roman"/>
+              <a:ea typeface="Times New Roman"/>
+              <a:cs typeface="Times New Roman"/>
+              <a:sym typeface="Times New Roman"/>
+            </a:endParaRPr>
           </a:p>
           <a:p>
             <a:pPr indent="-355600" lvl="0" marL="457200" rtl="0" algn="l">
@@ -6058,13 +6304,24 @@
                 <a:spcPts val="0"/>
               </a:spcAft>
               <a:buSzPts val="2000"/>
+              <a:buFont typeface="Times New Roman"/>
               <a:buChar char="●"/>
             </a:pPr>
             <a:r>
-              <a:rPr lang="pt-BR" sz="2000"/>
+              <a:rPr lang="pt-BR" sz="2000">
+                <a:latin typeface="Times New Roman"/>
+                <a:ea typeface="Times New Roman"/>
+                <a:cs typeface="Times New Roman"/>
+                <a:sym typeface="Times New Roman"/>
+              </a:rPr>
               <a:t>Teste Final: Após a validação cruzada, o modelo final é testado usando as imagens da pasta de teste. As mesmas métricas de avaliação (acurácia, precisão e pontuação F1) são calculadas para avaliar o desempenho do modelo nos dados de teste.</a:t>
             </a:r>
-            <a:endParaRPr sz="2000"/>
+            <a:endParaRPr sz="2000">
+              <a:latin typeface="Times New Roman"/>
+              <a:ea typeface="Times New Roman"/>
+              <a:cs typeface="Times New Roman"/>
+              <a:sym typeface="Times New Roman"/>
+            </a:endParaRPr>
           </a:p>
         </p:txBody>
       </p:sp>
@@ -6077,6 +6334,285 @@
 </file>
 
 <file path=ppt/theme/theme1.xml><?xml version="1.0" encoding="utf-8"?>
+<a:theme xmlns:a="http://schemas.openxmlformats.org/drawingml/2006/main" xmlns:r="http://schemas.openxmlformats.org/officeDocument/2006/relationships">
+  <a:themeElements>
+    <a:clrScheme name="Default">
+      <a:dk1>
+        <a:srgbClr val="000000"/>
+      </a:dk1>
+      <a:lt1>
+        <a:srgbClr val="FFFFFF"/>
+      </a:lt1>
+      <a:dk2>
+        <a:srgbClr val="158158"/>
+      </a:dk2>
+      <a:lt2>
+        <a:srgbClr val="F3F3F3"/>
+      </a:lt2>
+      <a:accent1>
+        <a:srgbClr val="058DC7"/>
+      </a:accent1>
+      <a:accent2>
+        <a:srgbClr val="50B432"/>
+      </a:accent2>
+      <a:accent3>
+        <a:srgbClr val="ED561B"/>
+      </a:accent3>
+      <a:accent4>
+        <a:srgbClr val="EDEF00"/>
+      </a:accent4>
+      <a:accent5>
+        <a:srgbClr val="24CBE5"/>
+      </a:accent5>
+      <a:accent6>
+        <a:srgbClr val="64E572"/>
+      </a:accent6>
+      <a:hlink>
+        <a:srgbClr val="2200CC"/>
+      </a:hlink>
+      <a:folHlink>
+        <a:srgbClr val="551A8B"/>
+      </a:folHlink>
+    </a:clrScheme>
+    <a:fontScheme name="Office">
+      <a:majorFont>
+        <a:latin typeface="Arial"/>
+        <a:ea typeface=""/>
+        <a:cs typeface=""/>
+        <a:font script="Jpan" typeface="ＭＳ Ｐゴシック"/>
+        <a:font script="Hang" typeface="맑은 고딕"/>
+        <a:font script="Hans" typeface="宋体"/>
+        <a:font script="Hant" typeface="新細明體"/>
+        <a:font script="Arab" typeface="Times New Roman"/>
+        <a:font script="Hebr" typeface="Times New Roman"/>
+        <a:font script="Thai" typeface="Angsana New"/>
+        <a:font script="Ethi" typeface="Nyala"/>
+        <a:font script="Beng" typeface="Vrinda"/>
+        <a:font script="Gujr" typeface="Shruti"/>
+        <a:font script="Khmr" typeface="MoolBoran"/>
+        <a:font script="Knda" typeface="Tunga"/>
+        <a:font script="Guru" typeface="Raavi"/>
+        <a:font script="Cans" typeface="Euphemia"/>
+        <a:font script="Cher" typeface="Plantagenet Cherokee"/>
+        <a:font script="Yiii" typeface="Microsoft Yi Baiti"/>
+        <a:font script="Tibt" typeface="Microsoft Himalaya"/>
+        <a:font script="Thaa" typeface="MV Boli"/>
+        <a:font script="Deva" typeface="Mangal"/>
+        <a:font script="Telu" typeface="Gautami"/>
+        <a:font script="Taml" typeface="Latha"/>
+        <a:font script="Syrc" typeface="Estrangelo Edessa"/>
+        <a:font script="Orya" typeface="Kalinga"/>
+        <a:font script="Mlym" typeface="Kartika"/>
+        <a:font script="Laoo" typeface="DokChampa"/>
+        <a:font script="Sinh" typeface="Iskoola Pota"/>
+        <a:font script="Mong" typeface="Mongolian Baiti"/>
+        <a:font script="Viet" typeface="Times New Roman"/>
+        <a:font script="Uigh" typeface="Microsoft Uighur"/>
+        <a:font script="Geor" typeface="Sylfaen"/>
+      </a:majorFont>
+      <a:minorFont>
+        <a:latin typeface="Arial"/>
+        <a:ea typeface=""/>
+        <a:cs typeface=""/>
+        <a:font script="Jpan" typeface="ＭＳ Ｐゴシック"/>
+        <a:font script="Hang" typeface="맑은 고딕"/>
+        <a:font script="Hans" typeface="宋体"/>
+        <a:font script="Hant" typeface="新細明體"/>
+        <a:font script="Arab" typeface="Arial"/>
+        <a:font script="Hebr" typeface="Arial"/>
+        <a:font script="Thai" typeface="Cordia New"/>
+        <a:font script="Ethi" typeface="Nyala"/>
+        <a:font script="Beng" typeface="Vrinda"/>
+        <a:font script="Gujr" typeface="Shruti"/>
+        <a:font script="Khmr" typeface="DaunPenh"/>
+        <a:font script="Knda" typeface="Tunga"/>
+        <a:font script="Guru" typeface="Raavi"/>
+        <a:font script="Cans" typeface="Euphemia"/>
+        <a:font script="Cher" typeface="Plantagenet Cherokee"/>
+        <a:font script="Yiii" typeface="Microsoft Yi Baiti"/>
+        <a:font script="Tibt" typeface="Microsoft Himalaya"/>
+        <a:font script="Thaa" typeface="MV Boli"/>
+        <a:font script="Deva" typeface="Mangal"/>
+        <a:font script="Telu" typeface="Gautami"/>
+        <a:font script="Taml" typeface="Latha"/>
+        <a:font script="Syrc" typeface="Estrangelo Edessa"/>
+        <a:font script="Orya" typeface="Kalinga"/>
+        <a:font script="Mlym" typeface="Kartika"/>
+        <a:font script="Laoo" typeface="DokChampa"/>
+        <a:font script="Sinh" typeface="Iskoola Pota"/>
+        <a:font script="Mong" typeface="Mongolian Baiti"/>
+        <a:font script="Viet" typeface="Arial"/>
+        <a:font script="Uigh" typeface="Microsoft Uighur"/>
+        <a:font script="Geor" typeface="Sylfaen"/>
+      </a:minorFont>
+    </a:fontScheme>
+    <a:fmtScheme name="Office">
+      <a:fillStyleLst>
+        <a:solidFill>
+          <a:schemeClr val="phClr"/>
+        </a:solidFill>
+        <a:gradFill rotWithShape="1">
+          <a:gsLst>
+            <a:gs pos="0">
+              <a:schemeClr val="phClr">
+                <a:tint val="50000"/>
+                <a:satMod val="300000"/>
+              </a:schemeClr>
+            </a:gs>
+            <a:gs pos="35000">
+              <a:schemeClr val="phClr">
+                <a:tint val="37000"/>
+                <a:satMod val="300000"/>
+              </a:schemeClr>
+            </a:gs>
+            <a:gs pos="100000">
+              <a:schemeClr val="phClr">
+                <a:tint val="15000"/>
+                <a:satMod val="350000"/>
+              </a:schemeClr>
+            </a:gs>
+          </a:gsLst>
+          <a:lin ang="16200000" scaled="1"/>
+        </a:gradFill>
+        <a:gradFill rotWithShape="1">
+          <a:gsLst>
+            <a:gs pos="0">
+              <a:schemeClr val="phClr">
+                <a:tint val="100000"/>
+                <a:shade val="100000"/>
+                <a:satMod val="130000"/>
+              </a:schemeClr>
+            </a:gs>
+            <a:gs pos="100000">
+              <a:schemeClr val="phClr">
+                <a:tint val="50000"/>
+                <a:shade val="100000"/>
+                <a:satMod val="350000"/>
+              </a:schemeClr>
+            </a:gs>
+          </a:gsLst>
+          <a:lin ang="16200000" scaled="0"/>
+        </a:gradFill>
+      </a:fillStyleLst>
+      <a:lnStyleLst>
+        <a:ln w="9525" cap="flat" cmpd="sng" algn="ctr">
+          <a:solidFill>
+            <a:schemeClr val="phClr">
+              <a:shade val="95000"/>
+              <a:satMod val="105000"/>
+            </a:schemeClr>
+          </a:solidFill>
+          <a:prstDash val="solid"/>
+        </a:ln>
+        <a:ln w="25400" cap="flat" cmpd="sng" algn="ctr">
+          <a:solidFill>
+            <a:schemeClr val="phClr"/>
+          </a:solidFill>
+          <a:prstDash val="solid"/>
+        </a:ln>
+        <a:ln w="38100" cap="flat" cmpd="sng" algn="ctr">
+          <a:solidFill>
+            <a:schemeClr val="phClr"/>
+          </a:solidFill>
+          <a:prstDash val="solid"/>
+        </a:ln>
+      </a:lnStyleLst>
+      <a:effectStyleLst>
+        <a:effectStyle>
+          <a:effectLst>
+            <a:outerShdw blurRad="40000" dist="20000" dir="5400000" rotWithShape="0">
+              <a:srgbClr val="000000">
+                <a:alpha val="38000"/>
+              </a:srgbClr>
+            </a:outerShdw>
+          </a:effectLst>
+        </a:effectStyle>
+        <a:effectStyle>
+          <a:effectLst>
+            <a:outerShdw blurRad="40000" dist="23000" dir="5400000" rotWithShape="0">
+              <a:srgbClr val="000000">
+                <a:alpha val="35000"/>
+              </a:srgbClr>
+            </a:outerShdw>
+          </a:effectLst>
+        </a:effectStyle>
+        <a:effectStyle>
+          <a:effectLst>
+            <a:outerShdw blurRad="40000" dist="23000" dir="5400000" rotWithShape="0">
+              <a:srgbClr val="000000">
+                <a:alpha val="35000"/>
+              </a:srgbClr>
+            </a:outerShdw>
+          </a:effectLst>
+          <a:scene3d>
+            <a:camera prst="orthographicFront">
+              <a:rot lat="0" lon="0" rev="0"/>
+            </a:camera>
+            <a:lightRig rig="threePt" dir="t">
+              <a:rot lat="0" lon="0" rev="1200000"/>
+            </a:lightRig>
+          </a:scene3d>
+          <a:sp3d>
+            <a:bevelT w="63500" h="25400"/>
+          </a:sp3d>
+        </a:effectStyle>
+      </a:effectStyleLst>
+      <a:bgFillStyleLst>
+        <a:solidFill>
+          <a:schemeClr val="phClr"/>
+        </a:solidFill>
+        <a:gradFill rotWithShape="1">
+          <a:gsLst>
+            <a:gs pos="0">
+              <a:schemeClr val="phClr">
+                <a:tint val="40000"/>
+                <a:satMod val="350000"/>
+              </a:schemeClr>
+            </a:gs>
+            <a:gs pos="40000">
+              <a:schemeClr val="phClr">
+                <a:tint val="45000"/>
+                <a:shade val="99000"/>
+                <a:satMod val="350000"/>
+              </a:schemeClr>
+            </a:gs>
+            <a:gs pos="100000">
+              <a:schemeClr val="phClr">
+                <a:shade val="20000"/>
+                <a:satMod val="255000"/>
+              </a:schemeClr>
+            </a:gs>
+          </a:gsLst>
+          <a:path path="circle">
+            <a:fillToRect l="50000" t="-80000" r="50000" b="180000"/>
+          </a:path>
+        </a:gradFill>
+        <a:gradFill rotWithShape="1">
+          <a:gsLst>
+            <a:gs pos="0">
+              <a:schemeClr val="phClr">
+                <a:tint val="80000"/>
+                <a:satMod val="300000"/>
+              </a:schemeClr>
+            </a:gs>
+            <a:gs pos="100000">
+              <a:schemeClr val="phClr">
+                <a:shade val="30000"/>
+                <a:satMod val="200000"/>
+              </a:schemeClr>
+            </a:gs>
+          </a:gsLst>
+          <a:path path="circle">
+            <a:fillToRect l="50000" t="50000" r="50000" b="50000"/>
+          </a:path>
+        </a:gradFill>
+      </a:bgFillStyleLst>
+    </a:fmtScheme>
+  </a:themeElements>
+</a:theme>
+</file>
+
+<file path=ppt/theme/theme2.xml><?xml version="1.0" encoding="utf-8"?>
 <a:theme xmlns:a="http://schemas.openxmlformats.org/drawingml/2006/main" xmlns:r="http://schemas.openxmlformats.org/officeDocument/2006/relationships" name="Simple Light">
   <a:themeElements>
     <a:clrScheme name="Simple Light">
@@ -6353,283 +6889,4 @@
     </a:fmtScheme>
   </a:themeElements>
 </a:theme>
-</file>
-
-<file path=ppt/theme/theme2.xml><?xml version="1.0" encoding="utf-8"?>
-<a:theme xmlns:a="http://schemas.openxmlformats.org/drawingml/2006/main" xmlns:r="http://schemas.openxmlformats.org/officeDocument/2006/relationships">
-  <a:themeElements>
-    <a:clrScheme name="Default">
-      <a:dk1>
-        <a:srgbClr val="000000"/>
-      </a:dk1>
-      <a:lt1>
-        <a:srgbClr val="FFFFFF"/>
-      </a:lt1>
-      <a:dk2>
-        <a:srgbClr val="158158"/>
-      </a:dk2>
-      <a:lt2>
-        <a:srgbClr val="F3F3F3"/>
-      </a:lt2>
-      <a:accent1>
-        <a:srgbClr val="058DC7"/>
-      </a:accent1>
-      <a:accent2>
-        <a:srgbClr val="50B432"/>
-      </a:accent2>
-      <a:accent3>
-        <a:srgbClr val="ED561B"/>
-      </a:accent3>
-      <a:accent4>
-        <a:srgbClr val="EDEF00"/>
-      </a:accent4>
-      <a:accent5>
-        <a:srgbClr val="24CBE5"/>
-      </a:accent5>
-      <a:accent6>
-        <a:srgbClr val="64E572"/>
-      </a:accent6>
-      <a:hlink>
-        <a:srgbClr val="2200CC"/>
-      </a:hlink>
-      <a:folHlink>
-        <a:srgbClr val="551A8B"/>
-      </a:folHlink>
-    </a:clrScheme>
-    <a:fontScheme name="Office">
-      <a:majorFont>
-        <a:latin typeface="Arial"/>
-        <a:ea typeface=""/>
-        <a:cs typeface=""/>
-        <a:font script="Jpan" typeface="ＭＳ Ｐゴシック"/>
-        <a:font script="Hang" typeface="맑은 고딕"/>
-        <a:font script="Hans" typeface="宋体"/>
-        <a:font script="Hant" typeface="新細明體"/>
-        <a:font script="Arab" typeface="Times New Roman"/>
-        <a:font script="Hebr" typeface="Times New Roman"/>
-        <a:font script="Thai" typeface="Angsana New"/>
-        <a:font script="Ethi" typeface="Nyala"/>
-        <a:font script="Beng" typeface="Vrinda"/>
-        <a:font script="Gujr" typeface="Shruti"/>
-        <a:font script="Khmr" typeface="MoolBoran"/>
-        <a:font script="Knda" typeface="Tunga"/>
-        <a:font script="Guru" typeface="Raavi"/>
-        <a:font script="Cans" typeface="Euphemia"/>
-        <a:font script="Cher" typeface="Plantagenet Cherokee"/>
-        <a:font script="Yiii" typeface="Microsoft Yi Baiti"/>
-        <a:font script="Tibt" typeface="Microsoft Himalaya"/>
-        <a:font script="Thaa" typeface="MV Boli"/>
-        <a:font script="Deva" typeface="Mangal"/>
-        <a:font script="Telu" typeface="Gautami"/>
-        <a:font script="Taml" typeface="Latha"/>
-        <a:font script="Syrc" typeface="Estrangelo Edessa"/>
-        <a:font script="Orya" typeface="Kalinga"/>
-        <a:font script="Mlym" typeface="Kartika"/>
-        <a:font script="Laoo" typeface="DokChampa"/>
-        <a:font script="Sinh" typeface="Iskoola Pota"/>
-        <a:font script="Mong" typeface="Mongolian Baiti"/>
-        <a:font script="Viet" typeface="Times New Roman"/>
-        <a:font script="Uigh" typeface="Microsoft Uighur"/>
-        <a:font script="Geor" typeface="Sylfaen"/>
-      </a:majorFont>
-      <a:minorFont>
-        <a:latin typeface="Arial"/>
-        <a:ea typeface=""/>
-        <a:cs typeface=""/>
-        <a:font script="Jpan" typeface="ＭＳ Ｐゴシック"/>
-        <a:font script="Hang" typeface="맑은 고딕"/>
-        <a:font script="Hans" typeface="宋体"/>
-        <a:font script="Hant" typeface="新細明體"/>
-        <a:font script="Arab" typeface="Arial"/>
-        <a:font script="Hebr" typeface="Arial"/>
-        <a:font script="Thai" typeface="Cordia New"/>
-        <a:font script="Ethi" typeface="Nyala"/>
-        <a:font script="Beng" typeface="Vrinda"/>
-        <a:font script="Gujr" typeface="Shruti"/>
-        <a:font script="Khmr" typeface="DaunPenh"/>
-        <a:font script="Knda" typeface="Tunga"/>
-        <a:font script="Guru" typeface="Raavi"/>
-        <a:font script="Cans" typeface="Euphemia"/>
-        <a:font script="Cher" typeface="Plantagenet Cherokee"/>
-        <a:font script="Yiii" typeface="Microsoft Yi Baiti"/>
-        <a:font script="Tibt" typeface="Microsoft Himalaya"/>
-        <a:font script="Thaa" typeface="MV Boli"/>
-        <a:font script="Deva" typeface="Mangal"/>
-        <a:font script="Telu" typeface="Gautami"/>
-        <a:font script="Taml" typeface="Latha"/>
-        <a:font script="Syrc" typeface="Estrangelo Edessa"/>
-        <a:font script="Orya" typeface="Kalinga"/>
-        <a:font script="Mlym" typeface="Kartika"/>
-        <a:font script="Laoo" typeface="DokChampa"/>
-        <a:font script="Sinh" typeface="Iskoola Pota"/>
-        <a:font script="Mong" typeface="Mongolian Baiti"/>
-        <a:font script="Viet" typeface="Arial"/>
-        <a:font script="Uigh" typeface="Microsoft Uighur"/>
-        <a:font script="Geor" typeface="Sylfaen"/>
-      </a:minorFont>
-    </a:fontScheme>
-    <a:fmtScheme name="Office">
-      <a:fillStyleLst>
-        <a:solidFill>
-          <a:schemeClr val="phClr"/>
-        </a:solidFill>
-        <a:gradFill rotWithShape="1">
-          <a:gsLst>
-            <a:gs pos="0">
-              <a:schemeClr val="phClr">
-                <a:tint val="50000"/>
-                <a:satMod val="300000"/>
-              </a:schemeClr>
-            </a:gs>
-            <a:gs pos="35000">
-              <a:schemeClr val="phClr">
-                <a:tint val="37000"/>
-                <a:satMod val="300000"/>
-              </a:schemeClr>
-            </a:gs>
-            <a:gs pos="100000">
-              <a:schemeClr val="phClr">
-                <a:tint val="15000"/>
-                <a:satMod val="350000"/>
-              </a:schemeClr>
-            </a:gs>
-          </a:gsLst>
-          <a:lin ang="16200000" scaled="1"/>
-        </a:gradFill>
-        <a:gradFill rotWithShape="1">
-          <a:gsLst>
-            <a:gs pos="0">
-              <a:schemeClr val="phClr">
-                <a:tint val="100000"/>
-                <a:shade val="100000"/>
-                <a:satMod val="130000"/>
-              </a:schemeClr>
-            </a:gs>
-            <a:gs pos="100000">
-              <a:schemeClr val="phClr">
-                <a:tint val="50000"/>
-                <a:shade val="100000"/>
-                <a:satMod val="350000"/>
-              </a:schemeClr>
-            </a:gs>
-          </a:gsLst>
-          <a:lin ang="16200000" scaled="0"/>
-        </a:gradFill>
-      </a:fillStyleLst>
-      <a:lnStyleLst>
-        <a:ln w="9525" cap="flat" cmpd="sng" algn="ctr">
-          <a:solidFill>
-            <a:schemeClr val="phClr">
-              <a:shade val="95000"/>
-              <a:satMod val="105000"/>
-            </a:schemeClr>
-          </a:solidFill>
-          <a:prstDash val="solid"/>
-        </a:ln>
-        <a:ln w="25400" cap="flat" cmpd="sng" algn="ctr">
-          <a:solidFill>
-            <a:schemeClr val="phClr"/>
-          </a:solidFill>
-          <a:prstDash val="solid"/>
-        </a:ln>
-        <a:ln w="38100" cap="flat" cmpd="sng" algn="ctr">
-          <a:solidFill>
-            <a:schemeClr val="phClr"/>
-          </a:solidFill>
-          <a:prstDash val="solid"/>
-        </a:ln>
-      </a:lnStyleLst>
-      <a:effectStyleLst>
-        <a:effectStyle>
-          <a:effectLst>
-            <a:outerShdw blurRad="40000" dist="20000" dir="5400000" rotWithShape="0">
-              <a:srgbClr val="000000">
-                <a:alpha val="38000"/>
-              </a:srgbClr>
-            </a:outerShdw>
-          </a:effectLst>
-        </a:effectStyle>
-        <a:effectStyle>
-          <a:effectLst>
-            <a:outerShdw blurRad="40000" dist="23000" dir="5400000" rotWithShape="0">
-              <a:srgbClr val="000000">
-                <a:alpha val="35000"/>
-              </a:srgbClr>
-            </a:outerShdw>
-          </a:effectLst>
-        </a:effectStyle>
-        <a:effectStyle>
-          <a:effectLst>
-            <a:outerShdw blurRad="40000" dist="23000" dir="5400000" rotWithShape="0">
-              <a:srgbClr val="000000">
-                <a:alpha val="35000"/>
-              </a:srgbClr>
-            </a:outerShdw>
-          </a:effectLst>
-          <a:scene3d>
-            <a:camera prst="orthographicFront">
-              <a:rot lat="0" lon="0" rev="0"/>
-            </a:camera>
-            <a:lightRig rig="threePt" dir="t">
-              <a:rot lat="0" lon="0" rev="1200000"/>
-            </a:lightRig>
-          </a:scene3d>
-          <a:sp3d>
-            <a:bevelT w="63500" h="25400"/>
-          </a:sp3d>
-        </a:effectStyle>
-      </a:effectStyleLst>
-      <a:bgFillStyleLst>
-        <a:solidFill>
-          <a:schemeClr val="phClr"/>
-        </a:solidFill>
-        <a:gradFill rotWithShape="1">
-          <a:gsLst>
-            <a:gs pos="0">
-              <a:schemeClr val="phClr">
-                <a:tint val="40000"/>
-                <a:satMod val="350000"/>
-              </a:schemeClr>
-            </a:gs>
-            <a:gs pos="40000">
-              <a:schemeClr val="phClr">
-                <a:tint val="45000"/>
-                <a:shade val="99000"/>
-                <a:satMod val="350000"/>
-              </a:schemeClr>
-            </a:gs>
-            <a:gs pos="100000">
-              <a:schemeClr val="phClr">
-                <a:shade val="20000"/>
-                <a:satMod val="255000"/>
-              </a:schemeClr>
-            </a:gs>
-          </a:gsLst>
-          <a:path path="circle">
-            <a:fillToRect l="50000" t="-80000" r="50000" b="180000"/>
-          </a:path>
-        </a:gradFill>
-        <a:gradFill rotWithShape="1">
-          <a:gsLst>
-            <a:gs pos="0">
-              <a:schemeClr val="phClr">
-                <a:tint val="80000"/>
-                <a:satMod val="300000"/>
-              </a:schemeClr>
-            </a:gs>
-            <a:gs pos="100000">
-              <a:schemeClr val="phClr">
-                <a:shade val="30000"/>
-                <a:satMod val="200000"/>
-              </a:schemeClr>
-            </a:gs>
-          </a:gsLst>
-          <a:path path="circle">
-            <a:fillToRect l="50000" t="50000" r="50000" b="50000"/>
-          </a:path>
-        </a:gradFill>
-      </a:bgFillStyleLst>
-    </a:fmtScheme>
-  </a:themeElements>
-</a:theme>
 </file>